--- a/prolog/prolog.pptx
+++ b/prolog/prolog.pptx
@@ -127,6 +127,22 @@
       </a:defRPr>
     </a:lvl9pPr>
   </p:defaultTextStyle>
+  <p:extLst>
+    <p:ext uri="{EFAFB233-063F-42B5-8137-9DF3F51BA10A}">
+      <p15:sldGuideLst xmlns:p15="http://schemas.microsoft.com/office/powerpoint/2012/main">
+        <p15:guide id="1" orient="horz" pos="2160">
+          <p15:clr>
+            <a:srgbClr val="A4A3A4"/>
+          </p15:clr>
+        </p15:guide>
+        <p15:guide id="2" pos="2880">
+          <p15:clr>
+            <a:srgbClr val="A4A3A4"/>
+          </p15:clr>
+        </p15:guide>
+      </p15:sldGuideLst>
+    </p:ext>
+  </p:extLst>
 </p:presentation>
 </file>
 
@@ -168,10 +184,9 @@
           <a:lstStyle/>
           <a:p>
             <a:r>
-              <a:rPr lang="en-US" smtClean="0"/>
+              <a:rPr lang="en-US"/>
               <a:t>Click to edit Master title style</a:t>
             </a:r>
-            <a:endParaRPr lang="en-US"/>
           </a:p>
         </p:txBody>
       </p:sp>
@@ -287,10 +302,9 @@
           </a:lstStyle>
           <a:p>
             <a:r>
-              <a:rPr lang="en-US" smtClean="0"/>
+              <a:rPr lang="en-US"/>
               <a:t>Click to edit Master subtitle style</a:t>
             </a:r>
-            <a:endParaRPr lang="en-US"/>
           </a:p>
         </p:txBody>
       </p:sp>
@@ -312,7 +326,7 @@
             <a:fld id="{1D8BD707-D9CF-40AE-B4C6-C98DA3205C09}" type="datetimeFigureOut">
               <a:rPr lang="en-US" smtClean="0"/>
               <a:pPr/>
-              <a:t>11/20/2022</a:t>
+              <a:t>10/27/2024</a:t>
             </a:fld>
             <a:endParaRPr lang="en-US"/>
           </a:p>
@@ -402,10 +416,9 @@
           <a:lstStyle/>
           <a:p>
             <a:r>
-              <a:rPr lang="en-US" smtClean="0"/>
+              <a:rPr lang="en-US"/>
               <a:t>Click to edit Master title style</a:t>
             </a:r>
-            <a:endParaRPr lang="en-US"/>
           </a:p>
         </p:txBody>
       </p:sp>
@@ -426,38 +439,37 @@
           <a:p>
             <a:pPr lvl="0"/>
             <a:r>
-              <a:rPr lang="en-US" smtClean="0"/>
+              <a:rPr lang="en-US"/>
               <a:t>Click to edit Master text styles</a:t>
             </a:r>
           </a:p>
           <a:p>
             <a:pPr lvl="1"/>
             <a:r>
-              <a:rPr lang="en-US" smtClean="0"/>
+              <a:rPr lang="en-US"/>
               <a:t>Second level</a:t>
             </a:r>
           </a:p>
           <a:p>
             <a:pPr lvl="2"/>
             <a:r>
-              <a:rPr lang="en-US" smtClean="0"/>
+              <a:rPr lang="en-US"/>
               <a:t>Third level</a:t>
             </a:r>
           </a:p>
           <a:p>
             <a:pPr lvl="3"/>
             <a:r>
-              <a:rPr lang="en-US" smtClean="0"/>
+              <a:rPr lang="en-US"/>
               <a:t>Fourth level</a:t>
             </a:r>
           </a:p>
           <a:p>
             <a:pPr lvl="4"/>
             <a:r>
-              <a:rPr lang="en-US" smtClean="0"/>
+              <a:rPr lang="en-US"/>
               <a:t>Fifth level</a:t>
             </a:r>
-            <a:endParaRPr lang="en-US"/>
           </a:p>
         </p:txBody>
       </p:sp>
@@ -479,7 +491,7 @@
             <a:fld id="{1D8BD707-D9CF-40AE-B4C6-C98DA3205C09}" type="datetimeFigureOut">
               <a:rPr lang="en-US" smtClean="0"/>
               <a:pPr/>
-              <a:t>11/20/2022</a:t>
+              <a:t>10/27/2024</a:t>
             </a:fld>
             <a:endParaRPr lang="en-US"/>
           </a:p>
@@ -574,10 +586,9 @@
           <a:lstStyle/>
           <a:p>
             <a:r>
-              <a:rPr lang="en-US" smtClean="0"/>
+              <a:rPr lang="en-US"/>
               <a:t>Click to edit Master title style</a:t>
             </a:r>
-            <a:endParaRPr lang="en-US"/>
           </a:p>
         </p:txBody>
       </p:sp>
@@ -603,38 +614,37 @@
           <a:p>
             <a:pPr lvl="0"/>
             <a:r>
-              <a:rPr lang="en-US" smtClean="0"/>
+              <a:rPr lang="en-US"/>
               <a:t>Click to edit Master text styles</a:t>
             </a:r>
           </a:p>
           <a:p>
             <a:pPr lvl="1"/>
             <a:r>
-              <a:rPr lang="en-US" smtClean="0"/>
+              <a:rPr lang="en-US"/>
               <a:t>Second level</a:t>
             </a:r>
           </a:p>
           <a:p>
             <a:pPr lvl="2"/>
             <a:r>
-              <a:rPr lang="en-US" smtClean="0"/>
+              <a:rPr lang="en-US"/>
               <a:t>Third level</a:t>
             </a:r>
           </a:p>
           <a:p>
             <a:pPr lvl="3"/>
             <a:r>
-              <a:rPr lang="en-US" smtClean="0"/>
+              <a:rPr lang="en-US"/>
               <a:t>Fourth level</a:t>
             </a:r>
           </a:p>
           <a:p>
             <a:pPr lvl="4"/>
             <a:r>
-              <a:rPr lang="en-US" smtClean="0"/>
+              <a:rPr lang="en-US"/>
               <a:t>Fifth level</a:t>
             </a:r>
-            <a:endParaRPr lang="en-US"/>
           </a:p>
         </p:txBody>
       </p:sp>
@@ -656,7 +666,7 @@
             <a:fld id="{1D8BD707-D9CF-40AE-B4C6-C98DA3205C09}" type="datetimeFigureOut">
               <a:rPr lang="en-US" smtClean="0"/>
               <a:pPr/>
-              <a:t>11/20/2022</a:t>
+              <a:t>10/27/2024</a:t>
             </a:fld>
             <a:endParaRPr lang="en-US"/>
           </a:p>
@@ -746,10 +756,9 @@
           <a:lstStyle/>
           <a:p>
             <a:r>
-              <a:rPr lang="en-US" smtClean="0"/>
+              <a:rPr lang="en-US"/>
               <a:t>Click to edit Master title style</a:t>
             </a:r>
-            <a:endParaRPr lang="en-US"/>
           </a:p>
         </p:txBody>
       </p:sp>
@@ -770,38 +779,37 @@
           <a:p>
             <a:pPr lvl="0"/>
             <a:r>
-              <a:rPr lang="en-US" smtClean="0"/>
+              <a:rPr lang="en-US"/>
               <a:t>Click to edit Master text styles</a:t>
             </a:r>
           </a:p>
           <a:p>
             <a:pPr lvl="1"/>
             <a:r>
-              <a:rPr lang="en-US" smtClean="0"/>
+              <a:rPr lang="en-US"/>
               <a:t>Second level</a:t>
             </a:r>
           </a:p>
           <a:p>
             <a:pPr lvl="2"/>
             <a:r>
-              <a:rPr lang="en-US" smtClean="0"/>
+              <a:rPr lang="en-US"/>
               <a:t>Third level</a:t>
             </a:r>
           </a:p>
           <a:p>
             <a:pPr lvl="3"/>
             <a:r>
-              <a:rPr lang="en-US" smtClean="0"/>
+              <a:rPr lang="en-US"/>
               <a:t>Fourth level</a:t>
             </a:r>
           </a:p>
           <a:p>
             <a:pPr lvl="4"/>
             <a:r>
-              <a:rPr lang="en-US" smtClean="0"/>
+              <a:rPr lang="en-US"/>
               <a:t>Fifth level</a:t>
             </a:r>
-            <a:endParaRPr lang="en-US"/>
           </a:p>
         </p:txBody>
       </p:sp>
@@ -823,7 +831,7 @@
             <a:fld id="{1D8BD707-D9CF-40AE-B4C6-C98DA3205C09}" type="datetimeFigureOut">
               <a:rPr lang="en-US" smtClean="0"/>
               <a:pPr/>
-              <a:t>11/20/2022</a:t>
+              <a:t>10/27/2024</a:t>
             </a:fld>
             <a:endParaRPr lang="en-US"/>
           </a:p>
@@ -922,10 +930,9 @@
           </a:lstStyle>
           <a:p>
             <a:r>
-              <a:rPr lang="en-US" smtClean="0"/>
+              <a:rPr lang="en-US"/>
               <a:t>Click to edit Master title style</a:t>
             </a:r>
-            <a:endParaRPr lang="en-US"/>
           </a:p>
         </p:txBody>
       </p:sp>
@@ -1042,7 +1049,7 @@
           <a:p>
             <a:pPr lvl="0"/>
             <a:r>
-              <a:rPr lang="en-US" smtClean="0"/>
+              <a:rPr lang="en-US"/>
               <a:t>Click to edit Master text styles</a:t>
             </a:r>
           </a:p>
@@ -1066,7 +1073,7 @@
             <a:fld id="{1D8BD707-D9CF-40AE-B4C6-C98DA3205C09}" type="datetimeFigureOut">
               <a:rPr lang="en-US" smtClean="0"/>
               <a:pPr/>
-              <a:t>11/20/2022</a:t>
+              <a:t>10/27/2024</a:t>
             </a:fld>
             <a:endParaRPr lang="en-US"/>
           </a:p>
@@ -1156,10 +1163,9 @@
           <a:lstStyle/>
           <a:p>
             <a:r>
-              <a:rPr lang="en-US" smtClean="0"/>
+              <a:rPr lang="en-US"/>
               <a:t>Click to edit Master title style</a:t>
             </a:r>
-            <a:endParaRPr lang="en-US"/>
           </a:p>
         </p:txBody>
       </p:sp>
@@ -1213,38 +1219,37 @@
           <a:p>
             <a:pPr lvl="0"/>
             <a:r>
-              <a:rPr lang="en-US" smtClean="0"/>
+              <a:rPr lang="en-US"/>
               <a:t>Click to edit Master text styles</a:t>
             </a:r>
           </a:p>
           <a:p>
             <a:pPr lvl="1"/>
             <a:r>
-              <a:rPr lang="en-US" smtClean="0"/>
+              <a:rPr lang="en-US"/>
               <a:t>Second level</a:t>
             </a:r>
           </a:p>
           <a:p>
             <a:pPr lvl="2"/>
             <a:r>
-              <a:rPr lang="en-US" smtClean="0"/>
+              <a:rPr lang="en-US"/>
               <a:t>Third level</a:t>
             </a:r>
           </a:p>
           <a:p>
             <a:pPr lvl="3"/>
             <a:r>
-              <a:rPr lang="en-US" smtClean="0"/>
+              <a:rPr lang="en-US"/>
               <a:t>Fourth level</a:t>
             </a:r>
           </a:p>
           <a:p>
             <a:pPr lvl="4"/>
             <a:r>
-              <a:rPr lang="en-US" smtClean="0"/>
+              <a:rPr lang="en-US"/>
               <a:t>Fifth level</a:t>
             </a:r>
-            <a:endParaRPr lang="en-US"/>
           </a:p>
         </p:txBody>
       </p:sp>
@@ -1298,38 +1303,37 @@
           <a:p>
             <a:pPr lvl="0"/>
             <a:r>
-              <a:rPr lang="en-US" smtClean="0"/>
+              <a:rPr lang="en-US"/>
               <a:t>Click to edit Master text styles</a:t>
             </a:r>
           </a:p>
           <a:p>
             <a:pPr lvl="1"/>
             <a:r>
-              <a:rPr lang="en-US" smtClean="0"/>
+              <a:rPr lang="en-US"/>
               <a:t>Second level</a:t>
             </a:r>
           </a:p>
           <a:p>
             <a:pPr lvl="2"/>
             <a:r>
-              <a:rPr lang="en-US" smtClean="0"/>
+              <a:rPr lang="en-US"/>
               <a:t>Third level</a:t>
             </a:r>
           </a:p>
           <a:p>
             <a:pPr lvl="3"/>
             <a:r>
-              <a:rPr lang="en-US" smtClean="0"/>
+              <a:rPr lang="en-US"/>
               <a:t>Fourth level</a:t>
             </a:r>
           </a:p>
           <a:p>
             <a:pPr lvl="4"/>
             <a:r>
-              <a:rPr lang="en-US" smtClean="0"/>
+              <a:rPr lang="en-US"/>
               <a:t>Fifth level</a:t>
             </a:r>
-            <a:endParaRPr lang="en-US"/>
           </a:p>
         </p:txBody>
       </p:sp>
@@ -1351,7 +1355,7 @@
             <a:fld id="{1D8BD707-D9CF-40AE-B4C6-C98DA3205C09}" type="datetimeFigureOut">
               <a:rPr lang="en-US" smtClean="0"/>
               <a:pPr/>
-              <a:t>11/20/2022</a:t>
+              <a:t>10/27/2024</a:t>
             </a:fld>
             <a:endParaRPr lang="en-US"/>
           </a:p>
@@ -1445,10 +1449,9 @@
           </a:lstStyle>
           <a:p>
             <a:r>
-              <a:rPr lang="en-US" smtClean="0"/>
+              <a:rPr lang="en-US"/>
               <a:t>Click to edit Master title style</a:t>
             </a:r>
-            <a:endParaRPr lang="en-US"/>
           </a:p>
         </p:txBody>
       </p:sp>
@@ -1511,7 +1514,7 @@
           <a:p>
             <a:pPr lvl="0"/>
             <a:r>
-              <a:rPr lang="en-US" smtClean="0"/>
+              <a:rPr lang="en-US"/>
               <a:t>Click to edit Master text styles</a:t>
             </a:r>
           </a:p>
@@ -1567,38 +1570,37 @@
           <a:p>
             <a:pPr lvl="0"/>
             <a:r>
-              <a:rPr lang="en-US" smtClean="0"/>
+              <a:rPr lang="en-US"/>
               <a:t>Click to edit Master text styles</a:t>
             </a:r>
           </a:p>
           <a:p>
             <a:pPr lvl="1"/>
             <a:r>
-              <a:rPr lang="en-US" smtClean="0"/>
+              <a:rPr lang="en-US"/>
               <a:t>Second level</a:t>
             </a:r>
           </a:p>
           <a:p>
             <a:pPr lvl="2"/>
             <a:r>
-              <a:rPr lang="en-US" smtClean="0"/>
+              <a:rPr lang="en-US"/>
               <a:t>Third level</a:t>
             </a:r>
           </a:p>
           <a:p>
             <a:pPr lvl="3"/>
             <a:r>
-              <a:rPr lang="en-US" smtClean="0"/>
+              <a:rPr lang="en-US"/>
               <a:t>Fourth level</a:t>
             </a:r>
           </a:p>
           <a:p>
             <a:pPr lvl="4"/>
             <a:r>
-              <a:rPr lang="en-US" smtClean="0"/>
+              <a:rPr lang="en-US"/>
               <a:t>Fifth level</a:t>
             </a:r>
-            <a:endParaRPr lang="en-US"/>
           </a:p>
         </p:txBody>
       </p:sp>
@@ -1661,7 +1663,7 @@
           <a:p>
             <a:pPr lvl="0"/>
             <a:r>
-              <a:rPr lang="en-US" smtClean="0"/>
+              <a:rPr lang="en-US"/>
               <a:t>Click to edit Master text styles</a:t>
             </a:r>
           </a:p>
@@ -1717,38 +1719,37 @@
           <a:p>
             <a:pPr lvl="0"/>
             <a:r>
-              <a:rPr lang="en-US" smtClean="0"/>
+              <a:rPr lang="en-US"/>
               <a:t>Click to edit Master text styles</a:t>
             </a:r>
           </a:p>
           <a:p>
             <a:pPr lvl="1"/>
             <a:r>
-              <a:rPr lang="en-US" smtClean="0"/>
+              <a:rPr lang="en-US"/>
               <a:t>Second level</a:t>
             </a:r>
           </a:p>
           <a:p>
             <a:pPr lvl="2"/>
             <a:r>
-              <a:rPr lang="en-US" smtClean="0"/>
+              <a:rPr lang="en-US"/>
               <a:t>Third level</a:t>
             </a:r>
           </a:p>
           <a:p>
             <a:pPr lvl="3"/>
             <a:r>
-              <a:rPr lang="en-US" smtClean="0"/>
+              <a:rPr lang="en-US"/>
               <a:t>Fourth level</a:t>
             </a:r>
           </a:p>
           <a:p>
             <a:pPr lvl="4"/>
             <a:r>
-              <a:rPr lang="en-US" smtClean="0"/>
+              <a:rPr lang="en-US"/>
               <a:t>Fifth level</a:t>
             </a:r>
-            <a:endParaRPr lang="en-US"/>
           </a:p>
         </p:txBody>
       </p:sp>
@@ -1770,7 +1771,7 @@
             <a:fld id="{1D8BD707-D9CF-40AE-B4C6-C98DA3205C09}" type="datetimeFigureOut">
               <a:rPr lang="en-US" smtClean="0"/>
               <a:pPr/>
-              <a:t>11/20/2022</a:t>
+              <a:t>10/27/2024</a:t>
             </a:fld>
             <a:endParaRPr lang="en-US"/>
           </a:p>
@@ -1860,10 +1861,9 @@
           <a:lstStyle/>
           <a:p>
             <a:r>
-              <a:rPr lang="en-US" smtClean="0"/>
+              <a:rPr lang="en-US"/>
               <a:t>Click to edit Master title style</a:t>
             </a:r>
-            <a:endParaRPr lang="en-US"/>
           </a:p>
         </p:txBody>
       </p:sp>
@@ -1885,7 +1885,7 @@
             <a:fld id="{1D8BD707-D9CF-40AE-B4C6-C98DA3205C09}" type="datetimeFigureOut">
               <a:rPr lang="en-US" smtClean="0"/>
               <a:pPr/>
-              <a:t>11/20/2022</a:t>
+              <a:t>10/27/2024</a:t>
             </a:fld>
             <a:endParaRPr lang="en-US"/>
           </a:p>
@@ -1977,7 +1977,7 @@
             <a:fld id="{1D8BD707-D9CF-40AE-B4C6-C98DA3205C09}" type="datetimeFigureOut">
               <a:rPr lang="en-US" smtClean="0"/>
               <a:pPr/>
-              <a:t>11/20/2022</a:t>
+              <a:t>10/27/2024</a:t>
             </a:fld>
             <a:endParaRPr lang="en-US"/>
           </a:p>
@@ -2076,10 +2076,9 @@
           </a:lstStyle>
           <a:p>
             <a:r>
-              <a:rPr lang="en-US" smtClean="0"/>
+              <a:rPr lang="en-US"/>
               <a:t>Click to edit Master title style</a:t>
             </a:r>
-            <a:endParaRPr lang="en-US"/>
           </a:p>
         </p:txBody>
       </p:sp>
@@ -2133,38 +2132,37 @@
           <a:p>
             <a:pPr lvl="0"/>
             <a:r>
-              <a:rPr lang="en-US" smtClean="0"/>
+              <a:rPr lang="en-US"/>
               <a:t>Click to edit Master text styles</a:t>
             </a:r>
           </a:p>
           <a:p>
             <a:pPr lvl="1"/>
             <a:r>
-              <a:rPr lang="en-US" smtClean="0"/>
+              <a:rPr lang="en-US"/>
               <a:t>Second level</a:t>
             </a:r>
           </a:p>
           <a:p>
             <a:pPr lvl="2"/>
             <a:r>
-              <a:rPr lang="en-US" smtClean="0"/>
+              <a:rPr lang="en-US"/>
               <a:t>Third level</a:t>
             </a:r>
           </a:p>
           <a:p>
             <a:pPr lvl="3"/>
             <a:r>
-              <a:rPr lang="en-US" smtClean="0"/>
+              <a:rPr lang="en-US"/>
               <a:t>Fourth level</a:t>
             </a:r>
           </a:p>
           <a:p>
             <a:pPr lvl="4"/>
             <a:r>
-              <a:rPr lang="en-US" smtClean="0"/>
+              <a:rPr lang="en-US"/>
               <a:t>Fifth level</a:t>
             </a:r>
-            <a:endParaRPr lang="en-US"/>
           </a:p>
         </p:txBody>
       </p:sp>
@@ -2227,7 +2225,7 @@
           <a:p>
             <a:pPr lvl="0"/>
             <a:r>
-              <a:rPr lang="en-US" smtClean="0"/>
+              <a:rPr lang="en-US"/>
               <a:t>Click to edit Master text styles</a:t>
             </a:r>
           </a:p>
@@ -2251,7 +2249,7 @@
             <a:fld id="{1D8BD707-D9CF-40AE-B4C6-C98DA3205C09}" type="datetimeFigureOut">
               <a:rPr lang="en-US" smtClean="0"/>
               <a:pPr/>
-              <a:t>11/20/2022</a:t>
+              <a:t>10/27/2024</a:t>
             </a:fld>
             <a:endParaRPr lang="en-US"/>
           </a:p>
@@ -2350,10 +2348,9 @@
           </a:lstStyle>
           <a:p>
             <a:r>
-              <a:rPr lang="en-US" smtClean="0"/>
+              <a:rPr lang="en-US"/>
               <a:t>Click to edit Master title style</a:t>
             </a:r>
-            <a:endParaRPr lang="en-US"/>
           </a:p>
         </p:txBody>
       </p:sp>
@@ -2477,7 +2474,7 @@
           <a:p>
             <a:pPr lvl="0"/>
             <a:r>
-              <a:rPr lang="en-US" smtClean="0"/>
+              <a:rPr lang="en-US"/>
               <a:t>Click to edit Master text styles</a:t>
             </a:r>
           </a:p>
@@ -2501,7 +2498,7 @@
             <a:fld id="{1D8BD707-D9CF-40AE-B4C6-C98DA3205C09}" type="datetimeFigureOut">
               <a:rPr lang="en-US" smtClean="0"/>
               <a:pPr/>
-              <a:t>11/20/2022</a:t>
+              <a:t>10/27/2024</a:t>
             </a:fld>
             <a:endParaRPr lang="en-US"/>
           </a:p>
@@ -2606,10 +2603,9 @@
           <a:lstStyle/>
           <a:p>
             <a:r>
-              <a:rPr lang="en-US" smtClean="0"/>
+              <a:rPr lang="en-US"/>
               <a:t>Click to edit Master title style</a:t>
             </a:r>
-            <a:endParaRPr lang="en-US"/>
           </a:p>
         </p:txBody>
       </p:sp>
@@ -2640,38 +2636,37 @@
           <a:p>
             <a:pPr lvl="0"/>
             <a:r>
-              <a:rPr lang="en-US" smtClean="0"/>
+              <a:rPr lang="en-US"/>
               <a:t>Click to edit Master text styles</a:t>
             </a:r>
           </a:p>
           <a:p>
             <a:pPr lvl="1"/>
             <a:r>
-              <a:rPr lang="en-US" smtClean="0"/>
+              <a:rPr lang="en-US"/>
               <a:t>Second level</a:t>
             </a:r>
           </a:p>
           <a:p>
             <a:pPr lvl="2"/>
             <a:r>
-              <a:rPr lang="en-US" smtClean="0"/>
+              <a:rPr lang="en-US"/>
               <a:t>Third level</a:t>
             </a:r>
           </a:p>
           <a:p>
             <a:pPr lvl="3"/>
             <a:r>
-              <a:rPr lang="en-US" smtClean="0"/>
+              <a:rPr lang="en-US"/>
               <a:t>Fourth level</a:t>
             </a:r>
           </a:p>
           <a:p>
             <a:pPr lvl="4"/>
             <a:r>
-              <a:rPr lang="en-US" smtClean="0"/>
+              <a:rPr lang="en-US"/>
               <a:t>Fifth level</a:t>
             </a:r>
-            <a:endParaRPr lang="en-US"/>
           </a:p>
         </p:txBody>
       </p:sp>
@@ -2711,7 +2706,7 @@
             <a:fld id="{1D8BD707-D9CF-40AE-B4C6-C98DA3205C09}" type="datetimeFigureOut">
               <a:rPr lang="en-US" smtClean="0"/>
               <a:pPr/>
-              <a:t>11/20/2022</a:t>
+              <a:t>10/27/2024</a:t>
             </a:fld>
             <a:endParaRPr lang="en-US"/>
           </a:p>
@@ -3098,10 +3093,9 @@
           <a:lstStyle/>
           <a:p>
             <a:r>
-              <a:rPr lang="en-US" dirty="0" smtClean="0"/>
+              <a:rPr lang="en-US" dirty="0"/>
               <a:t>prolog</a:t>
             </a:r>
-            <a:endParaRPr lang="en-US" dirty="0"/>
           </a:p>
         </p:txBody>
       </p:sp>
@@ -3121,27 +3115,23 @@
           <a:lstStyle/>
           <a:p>
             <a:r>
-              <a:rPr lang="en-US" dirty="0" smtClean="0"/>
+              <a:rPr lang="en-US" dirty="0"/>
               <a:t>By</a:t>
             </a:r>
           </a:p>
           <a:p>
             <a:r>
-              <a:rPr lang="en-US" dirty="0" smtClean="0"/>
+              <a:rPr lang="en-US" dirty="0"/>
               <a:t>Sana </a:t>
             </a:r>
             <a:r>
-              <a:rPr lang="en-US" dirty="0" err="1" smtClean="0"/>
+              <a:rPr lang="en-US" dirty="0" err="1"/>
               <a:t>mateen</a:t>
             </a:r>
-            <a:r>
-              <a:rPr lang="en-US" dirty="0" smtClean="0"/>
-              <a:t/>
-            </a:r>
             <a:br>
-              <a:rPr lang="en-US" dirty="0" smtClean="0"/>
+              <a:rPr lang="en-US" dirty="0"/>
             </a:br>
-            <a:endParaRPr lang="en-US" dirty="0" smtClean="0"/>
+            <a:endParaRPr lang="en-US" dirty="0"/>
           </a:p>
         </p:txBody>
       </p:sp>
@@ -3288,7 +3278,13 @@
                 <a:tableStyleId>{5C22544A-7EE6-4342-B048-85BDC9FD1C3A}</a:tableStyleId>
               </a:tblPr>
               <a:tblGrid>
-                <a:gridCol w="2895600"/>
+                <a:gridCol w="2895600">
+                  <a:extLst>
+                    <a:ext uri="{9D8B030D-6E8A-4147-A177-3AD203B41FA5}">
+                      <a16:colId xmlns:a16="http://schemas.microsoft.com/office/drawing/2014/main" val="20000"/>
+                    </a:ext>
+                  </a:extLst>
+                </a:gridCol>
               </a:tblGrid>
               <a:tr h="370840">
                 <a:tc>
@@ -3297,15 +3293,15 @@
                     <a:lstStyle/>
                     <a:p>
                       <a:r>
-                        <a:rPr lang="en-US" dirty="0" smtClean="0"/>
+                        <a:rPr lang="en-US" dirty="0"/>
                         <a:t>What does </a:t>
                       </a:r>
                       <a:r>
-                        <a:rPr lang="en-US" dirty="0" err="1" smtClean="0"/>
+                        <a:rPr lang="en-US" dirty="0" err="1"/>
                         <a:t>aditya</a:t>
                       </a:r>
                       <a:r>
-                        <a:rPr lang="en-US" baseline="0" dirty="0" smtClean="0"/>
+                        <a:rPr lang="en-US" baseline="0" dirty="0"/>
                         <a:t> own?</a:t>
                       </a:r>
                       <a:endParaRPr lang="en-US" dirty="0"/>
@@ -3313,6 +3309,11 @@
                   </a:txBody>
                   <a:tcPr/>
                 </a:tc>
+                <a:extLst>
+                  <a:ext uri="{0D108BD9-81ED-4DB2-BD59-A6C34878D82A}">
+                    <a16:rowId xmlns:a16="http://schemas.microsoft.com/office/drawing/2014/main" val="10000"/>
+                  </a:ext>
+                </a:extLst>
               </a:tr>
               <a:tr h="370840">
                 <a:tc>
@@ -3321,15 +3322,15 @@
                     <a:lstStyle/>
                     <a:p>
                       <a:r>
-                        <a:rPr lang="en-US" dirty="0" smtClean="0"/>
+                        <a:rPr lang="en-US" dirty="0"/>
                         <a:t>Does </a:t>
                       </a:r>
                       <a:r>
-                        <a:rPr lang="en-US" dirty="0" err="1" smtClean="0"/>
+                        <a:rPr lang="en-US" dirty="0" err="1"/>
                         <a:t>aditya</a:t>
                       </a:r>
                       <a:r>
-                        <a:rPr lang="en-US" baseline="0" dirty="0" smtClean="0"/>
+                        <a:rPr lang="en-US" baseline="0" dirty="0"/>
                         <a:t> own something?</a:t>
                       </a:r>
                       <a:endParaRPr lang="en-US" dirty="0"/>
@@ -3337,6 +3338,11 @@
                   </a:txBody>
                   <a:tcPr/>
                 </a:tc>
+                <a:extLst>
+                  <a:ext uri="{0D108BD9-81ED-4DB2-BD59-A6C34878D82A}">
+                    <a16:rowId xmlns:a16="http://schemas.microsoft.com/office/drawing/2014/main" val="10001"/>
+                  </a:ext>
+                </a:extLst>
               </a:tr>
               <a:tr h="370840">
                 <a:tc>
@@ -3345,22 +3351,26 @@
                     <a:lstStyle/>
                     <a:p>
                       <a:r>
-                        <a:rPr lang="en-US" dirty="0" smtClean="0"/>
+                        <a:rPr lang="en-US" dirty="0"/>
                         <a:t>Who owns car </a:t>
                       </a:r>
                       <a:r>
-                        <a:rPr lang="en-US" dirty="0" err="1" smtClean="0"/>
+                        <a:rPr lang="en-US" dirty="0" err="1"/>
                         <a:t>bmw</a:t>
                       </a:r>
                       <a:r>
-                        <a:rPr lang="en-US" dirty="0" smtClean="0"/>
+                        <a:rPr lang="en-US" dirty="0"/>
                         <a:t>?</a:t>
                       </a:r>
-                      <a:endParaRPr lang="en-US" dirty="0"/>
                     </a:p>
                   </a:txBody>
                   <a:tcPr/>
                 </a:tc>
+                <a:extLst>
+                  <a:ext uri="{0D108BD9-81ED-4DB2-BD59-A6C34878D82A}">
+                    <a16:rowId xmlns:a16="http://schemas.microsoft.com/office/drawing/2014/main" val="10002"/>
+                  </a:ext>
+                </a:extLst>
               </a:tr>
               <a:tr h="370840">
                 <a:tc>
@@ -3369,22 +3379,26 @@
                     <a:lstStyle/>
                     <a:p>
                       <a:r>
-                        <a:rPr lang="en-US" dirty="0" smtClean="0"/>
+                        <a:rPr lang="en-US" dirty="0"/>
                         <a:t>Who owns car </a:t>
                       </a:r>
                       <a:r>
-                        <a:rPr lang="en-US" dirty="0" err="1" smtClean="0"/>
+                        <a:rPr lang="en-US" dirty="0" err="1"/>
                         <a:t>chevy</a:t>
                       </a:r>
                       <a:r>
-                        <a:rPr lang="en-US" dirty="0" smtClean="0"/>
+                        <a:rPr lang="en-US" dirty="0"/>
                         <a:t>?</a:t>
                       </a:r>
-                      <a:endParaRPr lang="en-US" dirty="0"/>
                     </a:p>
                   </a:txBody>
                   <a:tcPr/>
                 </a:tc>
+                <a:extLst>
+                  <a:ext uri="{0D108BD9-81ED-4DB2-BD59-A6C34878D82A}">
+                    <a16:rowId xmlns:a16="http://schemas.microsoft.com/office/drawing/2014/main" val="10003"/>
+                  </a:ext>
+                </a:extLst>
               </a:tr>
               <a:tr h="370840">
                 <a:tc>
@@ -3393,22 +3407,26 @@
                     <a:lstStyle/>
                     <a:p>
                       <a:r>
-                        <a:rPr lang="en-US" dirty="0" smtClean="0"/>
+                        <a:rPr lang="en-US" dirty="0"/>
                         <a:t>Does </a:t>
                       </a:r>
                       <a:r>
-                        <a:rPr lang="en-US" dirty="0" err="1" smtClean="0"/>
+                        <a:rPr lang="en-US" dirty="0" err="1"/>
                         <a:t>afzal</a:t>
                       </a:r>
                       <a:r>
-                        <a:rPr lang="en-US" dirty="0" smtClean="0"/>
+                        <a:rPr lang="en-US" dirty="0"/>
                         <a:t> own sedan?</a:t>
                       </a:r>
-                      <a:endParaRPr lang="en-US" dirty="0"/>
                     </a:p>
                   </a:txBody>
                   <a:tcPr/>
                 </a:tc>
+                <a:extLst>
+                  <a:ext uri="{0D108BD9-81ED-4DB2-BD59-A6C34878D82A}">
+                    <a16:rowId xmlns:a16="http://schemas.microsoft.com/office/drawing/2014/main" val="10004"/>
+                  </a:ext>
+                </a:extLst>
               </a:tr>
               <a:tr h="370840">
                 <a:tc>
@@ -3417,22 +3435,26 @@
                     <a:lstStyle/>
                     <a:p>
                       <a:r>
-                        <a:rPr lang="en-US" dirty="0" smtClean="0"/>
+                        <a:rPr lang="en-US" dirty="0"/>
                         <a:t>Does </a:t>
                       </a:r>
                       <a:r>
-                        <a:rPr lang="en-US" dirty="0" err="1" smtClean="0"/>
+                        <a:rPr lang="en-US" dirty="0" err="1"/>
                         <a:t>afzal</a:t>
                       </a:r>
                       <a:r>
-                        <a:rPr lang="en-US" dirty="0" smtClean="0"/>
+                        <a:rPr lang="en-US" dirty="0"/>
                         <a:t> own truck?</a:t>
                       </a:r>
-                      <a:endParaRPr lang="en-US" dirty="0"/>
                     </a:p>
                   </a:txBody>
                   <a:tcPr/>
                 </a:tc>
+                <a:extLst>
+                  <a:ext uri="{0D108BD9-81ED-4DB2-BD59-A6C34878D82A}">
+                    <a16:rowId xmlns:a16="http://schemas.microsoft.com/office/drawing/2014/main" val="10005"/>
+                  </a:ext>
+                </a:extLst>
               </a:tr>
             </a:tbl>
           </a:graphicData>
@@ -3677,10 +3699,9 @@
           <a:lstStyle/>
           <a:p>
             <a:r>
-              <a:rPr lang="en-US" dirty="0" smtClean="0"/>
+              <a:rPr lang="en-US" dirty="0"/>
               <a:t>An example program</a:t>
             </a:r>
-            <a:endParaRPr lang="en-US" dirty="0"/>
           </a:p>
         </p:txBody>
       </p:sp>
@@ -3703,74 +3724,41 @@
           <a:p>
             <a:pPr algn="just"/>
             <a:r>
-              <a:rPr lang="en-US" sz="2400" dirty="0" smtClean="0"/>
+              <a:rPr lang="en-US" sz="2400" dirty="0"/>
               <a:t>defining family relations Prolog is a programming language for symbolic, non-numeric computation. </a:t>
             </a:r>
-            <a:endParaRPr lang="en-US" sz="2400" dirty="0" smtClean="0"/>
           </a:p>
           <a:p>
             <a:pPr algn="just"/>
             <a:r>
-              <a:rPr lang="en-US" sz="2400" dirty="0" smtClean="0">
+              <a:rPr lang="en-US" sz="2400" dirty="0">
                 <a:solidFill>
                   <a:srgbClr val="FF0000"/>
                 </a:solidFill>
               </a:rPr>
-              <a:t>It </a:t>
-            </a:r>
-            <a:r>
-              <a:rPr lang="en-US" sz="2400" dirty="0" smtClean="0">
-                <a:solidFill>
-                  <a:srgbClr val="FF0000"/>
-                </a:solidFill>
-              </a:rPr>
-              <a:t>is specially well suited for solving problems that involve objects and relations between objects. </a:t>
-            </a:r>
-            <a:endParaRPr lang="en-US" sz="2400" dirty="0" smtClean="0">
-              <a:solidFill>
-                <a:srgbClr val="FF0000"/>
-              </a:solidFill>
-            </a:endParaRPr>
+              <a:t>It is specially well suited for solving problems that involve objects and relations between objects. </a:t>
+            </a:r>
           </a:p>
           <a:p>
             <a:pPr algn="just"/>
             <a:r>
-              <a:rPr lang="en-US" sz="2400" dirty="0" smtClean="0"/>
-              <a:t>Figure </a:t>
-            </a:r>
-            <a:r>
-              <a:rPr lang="en-US" sz="2400" dirty="0" smtClean="0"/>
-              <a:t>1.1 shows an example: a family relation. </a:t>
-            </a:r>
-            <a:endParaRPr lang="en-US" sz="2400" dirty="0" smtClean="0"/>
+              <a:rPr lang="en-US" sz="2400" dirty="0"/>
+              <a:t>Shows an example: a family relation. </a:t>
+            </a:r>
           </a:p>
           <a:p>
             <a:pPr algn="just"/>
             <a:r>
-              <a:rPr lang="en-US" sz="2400" b="1" dirty="0" smtClean="0"/>
-              <a:t>The </a:t>
-            </a:r>
-            <a:r>
-              <a:rPr lang="en-US" sz="2400" b="1" dirty="0" smtClean="0"/>
-              <a:t>fact that Tom is a parent of Bob can be written in Prolog as: parent( tom, bob). </a:t>
-            </a:r>
-            <a:endParaRPr lang="en-US" sz="2400" b="1" dirty="0" smtClean="0"/>
+              <a:rPr lang="en-US" sz="2400" b="1" dirty="0"/>
+              <a:t>The fact that Tom is a parent of Bob can be written in Prolog as: parent( tom, bob). </a:t>
+            </a:r>
           </a:p>
           <a:p>
             <a:pPr algn="just"/>
             <a:r>
-              <a:rPr lang="en-US" sz="2400" dirty="0" smtClean="0"/>
-              <a:t>Here </a:t>
-            </a:r>
-            <a:r>
-              <a:rPr lang="en-US" sz="2400" dirty="0" smtClean="0"/>
-              <a:t>we choose parent as the name of a relation; tom and bob are its </a:t>
-            </a:r>
-            <a:r>
-              <a:rPr lang="en-US" sz="2400" dirty="0" smtClean="0"/>
-              <a:t>arguments.</a:t>
-            </a:r>
-            <a:endParaRPr lang="en-US" sz="2400" dirty="0"/>
+              <a:rPr lang="en-US" sz="2400" dirty="0"/>
+              <a:t>Here we choose parent as the name of a relation; tom and bob are its arguments.</a:t>
+            </a:r>
           </a:p>
         </p:txBody>
       </p:sp>
@@ -3894,108 +3882,77 @@
           <a:lstStyle/>
           <a:p>
             <a:r>
-              <a:rPr lang="en-US" sz="2400" dirty="0" smtClean="0"/>
-              <a:t>The whole family tree of Figure 1.1 is defined by the following Prolog program: </a:t>
-            </a:r>
-            <a:endParaRPr lang="en-US" sz="2400" dirty="0" smtClean="0"/>
-          </a:p>
-          <a:p>
-            <a:r>
-              <a:rPr lang="en-US" sz="2400" dirty="0" smtClean="0"/>
-              <a:t>parent</a:t>
-            </a:r>
-            <a:r>
-              <a:rPr lang="en-US" sz="2400" dirty="0" smtClean="0"/>
-              <a:t>( </a:t>
-            </a:r>
-            <a:r>
-              <a:rPr lang="en-US" sz="2400" dirty="0" err="1" smtClean="0"/>
+              <a:rPr lang="en-US" sz="2400" dirty="0"/>
+              <a:t>The whole family tree  is defined by the following Prolog program: </a:t>
+            </a:r>
+          </a:p>
+          <a:p>
+            <a:r>
+              <a:rPr lang="en-US" sz="2400" dirty="0"/>
+              <a:t>parent( </a:t>
+            </a:r>
+            <a:r>
+              <a:rPr lang="en-US" sz="2400" dirty="0" err="1"/>
               <a:t>pam</a:t>
             </a:r>
             <a:r>
-              <a:rPr lang="en-US" sz="2400" dirty="0" smtClean="0"/>
+              <a:rPr lang="en-US" sz="2400" dirty="0"/>
               <a:t>, bob). </a:t>
             </a:r>
-            <a:endParaRPr lang="en-US" sz="2400" dirty="0" smtClean="0"/>
-          </a:p>
-          <a:p>
-            <a:r>
-              <a:rPr lang="en-US" sz="2400" dirty="0" smtClean="0"/>
-              <a:t>parent</a:t>
-            </a:r>
-            <a:r>
-              <a:rPr lang="en-US" sz="2400" dirty="0" smtClean="0"/>
-              <a:t>( tom, bob). </a:t>
-            </a:r>
-            <a:endParaRPr lang="en-US" sz="2400" dirty="0" smtClean="0"/>
-          </a:p>
-          <a:p>
-            <a:r>
-              <a:rPr lang="en-US" sz="2400" dirty="0" smtClean="0"/>
-              <a:t>parent</a:t>
-            </a:r>
-            <a:r>
-              <a:rPr lang="en-US" sz="2400" dirty="0" smtClean="0"/>
-              <a:t>( tom, </a:t>
-            </a:r>
-            <a:r>
-              <a:rPr lang="en-US" sz="2400" dirty="0" err="1" smtClean="0"/>
+          </a:p>
+          <a:p>
+            <a:r>
+              <a:rPr lang="en-US" sz="2400" dirty="0"/>
+              <a:t>parent( tom, bob). </a:t>
+            </a:r>
+          </a:p>
+          <a:p>
+            <a:r>
+              <a:rPr lang="en-US" sz="2400" dirty="0"/>
+              <a:t>parent( tom, </a:t>
+            </a:r>
+            <a:r>
+              <a:rPr lang="en-US" sz="2400" dirty="0" err="1"/>
               <a:t>liz</a:t>
             </a:r>
             <a:r>
-              <a:rPr lang="en-US" sz="2400" dirty="0" smtClean="0"/>
+              <a:rPr lang="en-US" sz="2400" dirty="0"/>
               <a:t>). </a:t>
             </a:r>
-            <a:endParaRPr lang="en-US" sz="2400" dirty="0" smtClean="0"/>
-          </a:p>
-          <a:p>
-            <a:r>
-              <a:rPr lang="en-US" sz="2400" dirty="0" smtClean="0"/>
-              <a:t>parent</a:t>
-            </a:r>
-            <a:r>
-              <a:rPr lang="en-US" sz="2400" dirty="0" smtClean="0"/>
-              <a:t>( bob, </a:t>
-            </a:r>
-            <a:r>
-              <a:rPr lang="en-US" sz="2400" dirty="0" err="1" smtClean="0"/>
+          </a:p>
+          <a:p>
+            <a:r>
+              <a:rPr lang="en-US" sz="2400" dirty="0"/>
+              <a:t>parent( bob, </a:t>
+            </a:r>
+            <a:r>
+              <a:rPr lang="en-US" sz="2400" dirty="0" err="1"/>
               <a:t>ann</a:t>
             </a:r>
             <a:r>
-              <a:rPr lang="en-US" sz="2400" dirty="0" smtClean="0"/>
+              <a:rPr lang="en-US" sz="2400" dirty="0"/>
               <a:t>). </a:t>
             </a:r>
-            <a:endParaRPr lang="en-US" sz="2400" dirty="0" smtClean="0"/>
-          </a:p>
-          <a:p>
-            <a:r>
-              <a:rPr lang="en-US" sz="2400" dirty="0" smtClean="0"/>
-              <a:t>parent</a:t>
-            </a:r>
-            <a:r>
-              <a:rPr lang="en-US" sz="2400" dirty="0" smtClean="0"/>
-              <a:t>( bob, pat). </a:t>
-            </a:r>
-            <a:endParaRPr lang="en-US" sz="2400" dirty="0" smtClean="0"/>
-          </a:p>
-          <a:p>
-            <a:r>
-              <a:rPr lang="en-US" sz="2400" dirty="0" smtClean="0"/>
-              <a:t>parent</a:t>
-            </a:r>
-            <a:r>
-              <a:rPr lang="en-US" sz="2400" dirty="0" smtClean="0"/>
-              <a:t>( pat, </a:t>
-            </a:r>
-            <a:r>
-              <a:rPr lang="en-US" sz="2400" dirty="0" err="1" smtClean="0"/>
+          </a:p>
+          <a:p>
+            <a:r>
+              <a:rPr lang="en-US" sz="2400" dirty="0"/>
+              <a:t>parent( bob, pat). </a:t>
+            </a:r>
+          </a:p>
+          <a:p>
+            <a:r>
+              <a:rPr lang="en-US" sz="2400" dirty="0"/>
+              <a:t>parent( pat, </a:t>
+            </a:r>
+            <a:r>
+              <a:rPr lang="en-US" sz="2400" dirty="0" err="1"/>
               <a:t>jim</a:t>
             </a:r>
             <a:r>
-              <a:rPr lang="en-US" sz="2400" dirty="0" smtClean="0"/>
+              <a:rPr lang="en-US" sz="2400" dirty="0"/>
               <a:t>).</a:t>
             </a:r>
-            <a:endParaRPr lang="en-US" sz="2400" dirty="0"/>
           </a:p>
         </p:txBody>
       </p:sp>
@@ -4133,7 +4090,7 @@
           <a:lstStyle/>
           <a:p>
             <a:r>
-              <a:rPr lang="en-US" b="1" dirty="0" smtClean="0"/>
+              <a:rPr lang="en-US" b="1" dirty="0"/>
               <a:t>Symbols</a:t>
             </a:r>
             <a:endParaRPr lang="en-US" dirty="0"/>
@@ -4159,18 +4116,9 @@
           <a:p>
             <a:pPr algn="just"/>
             <a:r>
-              <a:rPr lang="en-US" sz="2800" dirty="0" smtClean="0"/>
-              <a:t>Prolog </a:t>
-            </a:r>
-            <a:r>
-              <a:rPr lang="en-US" sz="2800" dirty="0" smtClean="0"/>
-              <a:t>expressions are comprised of the following truth-functional symbols, which have the same interpretation as in the predicate calculus</a:t>
-            </a:r>
-            <a:r>
-              <a:rPr lang="en-US" sz="2800" dirty="0" smtClean="0"/>
-              <a:t>.</a:t>
-            </a:r>
-            <a:endParaRPr lang="en-US" sz="2800" dirty="0" smtClean="0"/>
+              <a:rPr lang="en-US" sz="2800" dirty="0"/>
+              <a:t>Prolog expressions are comprised of the following truth-functional symbols, which have the same interpretation as in the predicate calculus.</a:t>
+            </a:r>
           </a:p>
         </p:txBody>
       </p:sp>
@@ -4193,9 +4141,27 @@
                 <a:tableStyleId>{616DA210-FB5B-4158-B5E0-FEB733F419BA}</a:tableStyleId>
               </a:tblPr>
               <a:tblGrid>
-                <a:gridCol w="2159000"/>
-                <a:gridCol w="2159000"/>
-                <a:gridCol w="2159000"/>
+                <a:gridCol w="2159000">
+                  <a:extLst>
+                    <a:ext uri="{9D8B030D-6E8A-4147-A177-3AD203B41FA5}">
+                      <a16:colId xmlns:a16="http://schemas.microsoft.com/office/drawing/2014/main" val="20000"/>
+                    </a:ext>
+                  </a:extLst>
+                </a:gridCol>
+                <a:gridCol w="2159000">
+                  <a:extLst>
+                    <a:ext uri="{9D8B030D-6E8A-4147-A177-3AD203B41FA5}">
+                      <a16:colId xmlns:a16="http://schemas.microsoft.com/office/drawing/2014/main" val="20001"/>
+                    </a:ext>
+                  </a:extLst>
+                </a:gridCol>
+                <a:gridCol w="2159000">
+                  <a:extLst>
+                    <a:ext uri="{9D8B030D-6E8A-4147-A177-3AD203B41FA5}">
+                      <a16:colId xmlns:a16="http://schemas.microsoft.com/office/drawing/2014/main" val="20002"/>
+                    </a:ext>
+                  </a:extLst>
+                </a:gridCol>
               </a:tblGrid>
               <a:tr h="518160">
                 <a:tc>
@@ -4273,6 +4239,11 @@
                   </a:txBody>
                   <a:tcPr marL="9525" marR="9525" marT="9525" marB="9525" anchor="ctr"/>
                 </a:tc>
+                <a:extLst>
+                  <a:ext uri="{0D108BD9-81ED-4DB2-BD59-A6C34878D82A}">
+                    <a16:rowId xmlns:a16="http://schemas.microsoft.com/office/drawing/2014/main" val="10000"/>
+                  </a:ext>
+                </a:extLst>
               </a:tr>
               <a:tr h="518160">
                 <a:tc>
@@ -4350,6 +4321,11 @@
                   </a:txBody>
                   <a:tcPr marL="9525" marR="9525" marT="9525" marB="9525" anchor="ctr"/>
                 </a:tc>
+                <a:extLst>
+                  <a:ext uri="{0D108BD9-81ED-4DB2-BD59-A6C34878D82A}">
+                    <a16:rowId xmlns:a16="http://schemas.microsoft.com/office/drawing/2014/main" val="10001"/>
+                  </a:ext>
+                </a:extLst>
               </a:tr>
               <a:tr h="518160">
                 <a:tc>
@@ -4427,6 +4403,11 @@
                   </a:txBody>
                   <a:tcPr marL="9525" marR="9525" marT="9525" marB="9525" anchor="ctr"/>
                 </a:tc>
+                <a:extLst>
+                  <a:ext uri="{0D108BD9-81ED-4DB2-BD59-A6C34878D82A}">
+                    <a16:rowId xmlns:a16="http://schemas.microsoft.com/office/drawing/2014/main" val="10002"/>
+                  </a:ext>
+                </a:extLst>
               </a:tr>
               <a:tr h="518160">
                 <a:tc>
@@ -4504,6 +4485,11 @@
                   </a:txBody>
                   <a:tcPr marL="9525" marR="9525" marT="9525" marB="9525" anchor="ctr"/>
                 </a:tc>
+                <a:extLst>
+                  <a:ext uri="{0D108BD9-81ED-4DB2-BD59-A6C34878D82A}">
+                    <a16:rowId xmlns:a16="http://schemas.microsoft.com/office/drawing/2014/main" val="10003"/>
+                  </a:ext>
+                </a:extLst>
               </a:tr>
               <a:tr h="518160">
                 <a:tc>
@@ -4581,6 +4567,11 @@
                   </a:txBody>
                   <a:tcPr marL="9525" marR="9525" marT="9525" marB="9525" anchor="ctr"/>
                 </a:tc>
+                <a:extLst>
+                  <a:ext uri="{0D108BD9-81ED-4DB2-BD59-A6C34878D82A}">
+                    <a16:rowId xmlns:a16="http://schemas.microsoft.com/office/drawing/2014/main" val="10004"/>
+                  </a:ext>
+                </a:extLst>
               </a:tr>
             </a:tbl>
           </a:graphicData>
@@ -4634,10 +4625,9 @@
           <a:lstStyle/>
           <a:p>
             <a:r>
-              <a:rPr lang="en-US" dirty="0" smtClean="0"/>
+              <a:rPr lang="en-US" dirty="0"/>
               <a:t>Variable</a:t>
             </a:r>
-            <a:endParaRPr lang="en-US" dirty="0"/>
           </a:p>
         </p:txBody>
       </p:sp>
@@ -4665,19 +4655,15 @@
           <a:p>
             <a:pPr algn="just"/>
             <a:r>
-              <a:rPr lang="en-US" sz="2800" dirty="0" smtClean="0"/>
-              <a:t>Variable </a:t>
-            </a:r>
-            <a:r>
-              <a:rPr lang="en-US" sz="2800" dirty="0" smtClean="0"/>
-              <a:t>is a string. </a:t>
-            </a:r>
-            <a:r>
-              <a:rPr lang="en-US" sz="2800" b="1" dirty="0" smtClean="0"/>
+              <a:rPr lang="en-US" sz="2800" dirty="0"/>
+              <a:t>Variable is a string. </a:t>
+            </a:r>
+            <a:r>
+              <a:rPr lang="en-US" sz="2800" b="1" dirty="0"/>
               <a:t>The string can be a combination of lower case or upper case letters. </a:t>
             </a:r>
             <a:r>
-              <a:rPr lang="en-US" sz="2800" dirty="0" smtClean="0">
+              <a:rPr lang="en-US" sz="2800" dirty="0">
                 <a:solidFill>
                   <a:srgbClr val="FF0000"/>
                 </a:solidFill>
@@ -4685,53 +4671,53 @@
               <a:t>The string can also contain underscore characters that begin with an underscore or an upper-case letter. </a:t>
             </a:r>
             <a:r>
-              <a:rPr lang="en-US" sz="2800" dirty="0" smtClean="0"/>
+              <a:rPr lang="en-US" sz="2800" dirty="0"/>
               <a:t>Rules for forming names and predicate calculus are the same.</a:t>
             </a:r>
           </a:p>
           <a:p>
             <a:r>
-              <a:rPr lang="en-US" sz="2800" dirty="0" smtClean="0"/>
+              <a:rPr lang="en-US" sz="2800" dirty="0"/>
               <a:t>female  </a:t>
             </a:r>
           </a:p>
           <a:p>
             <a:r>
-              <a:rPr lang="en-US" sz="2800" dirty="0" smtClean="0"/>
+              <a:rPr lang="en-US" sz="2800" dirty="0"/>
               <a:t>Male  </a:t>
             </a:r>
           </a:p>
           <a:p>
             <a:r>
-              <a:rPr lang="en-US" sz="2800" dirty="0" smtClean="0"/>
+              <a:rPr lang="en-US" sz="2800" dirty="0"/>
               <a:t>X  </a:t>
             </a:r>
           </a:p>
           <a:p>
             <a:r>
-              <a:rPr lang="en-US" sz="2800" dirty="0" smtClean="0"/>
+              <a:rPr lang="en-US" sz="2800" dirty="0"/>
               <a:t>y  </a:t>
             </a:r>
           </a:p>
           <a:p>
             <a:r>
-              <a:rPr lang="en-US" sz="2800" dirty="0" err="1" smtClean="0"/>
+              <a:rPr lang="en-US" sz="2800" dirty="0" err="1"/>
               <a:t>mother_of</a:t>
             </a:r>
             <a:r>
-              <a:rPr lang="en-US" sz="2800" dirty="0" smtClean="0"/>
+              <a:rPr lang="en-US" sz="2800" dirty="0"/>
               <a:t>  </a:t>
             </a:r>
           </a:p>
           <a:p>
             <a:r>
-              <a:rPr lang="en-US" sz="2800" dirty="0" smtClean="0"/>
+              <a:rPr lang="en-US" sz="2800" dirty="0"/>
               <a:t>_father  </a:t>
             </a:r>
           </a:p>
           <a:p>
             <a:r>
-              <a:rPr lang="en-US" sz="2800" dirty="0" smtClean="0"/>
+              <a:rPr lang="en-US" sz="2800" dirty="0"/>
               <a:t>Pro34  </a:t>
             </a:r>
           </a:p>
@@ -4789,7 +4775,7 @@
           <a:lstStyle/>
           <a:p>
             <a:r>
-              <a:rPr lang="en-US" b="1" dirty="0" smtClean="0"/>
+              <a:rPr lang="en-US" b="1" dirty="0"/>
               <a:t>Facts</a:t>
             </a:r>
             <a:endParaRPr lang="en-US" dirty="0"/>
@@ -4820,23 +4806,15 @@
           <a:p>
             <a:pPr algn="just"/>
             <a:r>
-              <a:rPr lang="en-US" sz="2800" dirty="0" smtClean="0">
+              <a:rPr lang="en-US" sz="2800" dirty="0">
                 <a:solidFill>
                   <a:srgbClr val="FF0000"/>
                 </a:solidFill>
               </a:rPr>
-              <a:t>A</a:t>
-            </a:r>
-            <a:r>
-              <a:rPr lang="en-US" sz="2800" dirty="0" smtClean="0">
-                <a:solidFill>
-                  <a:srgbClr val="FF0000"/>
-                </a:solidFill>
-              </a:rPr>
-              <a:t> </a:t>
-            </a:r>
-            <a:r>
-              <a:rPr lang="en-US" sz="2800" b="1" dirty="0" smtClean="0">
+              <a:t>A </a:t>
+            </a:r>
+            <a:r>
+              <a:rPr lang="en-US" sz="2800" b="1" dirty="0">
                 <a:solidFill>
                   <a:srgbClr val="FF0000"/>
                 </a:solidFill>
@@ -4844,199 +4822,101 @@
               <a:t>fact</a:t>
             </a:r>
             <a:r>
-              <a:rPr lang="en-US" sz="2800" dirty="0" smtClean="0">
+              <a:rPr lang="en-US" sz="2800" dirty="0">
                 <a:solidFill>
                   <a:srgbClr val="FF0000"/>
                 </a:solidFill>
               </a:rPr>
               <a:t> is a predicate expression that makes a declarative statement about the problem domain. </a:t>
             </a:r>
-            <a:endParaRPr lang="en-US" sz="2800" dirty="0" smtClean="0">
-              <a:solidFill>
-                <a:srgbClr val="FF0000"/>
-              </a:solidFill>
-            </a:endParaRPr>
           </a:p>
           <a:p>
             <a:pPr algn="just"/>
             <a:r>
-              <a:rPr lang="en-US" sz="2800" dirty="0" smtClean="0"/>
-              <a:t>Whenever </a:t>
-            </a:r>
-            <a:r>
-              <a:rPr lang="en-US" sz="2800" dirty="0" smtClean="0"/>
-              <a:t>a variable occurs in a Prolog expression, it is assumed to be </a:t>
-            </a:r>
-            <a:r>
-              <a:rPr lang="en-US" sz="2800" b="1" dirty="0" smtClean="0"/>
+              <a:rPr lang="en-US" sz="2800" dirty="0"/>
+              <a:t>Whenever a variable occurs in a Prolog expression, it is assumed to be </a:t>
+            </a:r>
+            <a:r>
+              <a:rPr lang="en-US" sz="2800" b="1" dirty="0"/>
               <a:t>universally quantified</a:t>
             </a:r>
             <a:r>
-              <a:rPr lang="en-US" sz="2800" dirty="0" smtClean="0"/>
+              <a:rPr lang="en-US" sz="2800" dirty="0"/>
               <a:t>. </a:t>
             </a:r>
-            <a:endParaRPr lang="en-US" sz="2800" dirty="0" smtClean="0"/>
           </a:p>
           <a:p>
             <a:pPr algn="just"/>
             <a:r>
-              <a:rPr lang="en-US" sz="2800" b="1" dirty="0" smtClean="0">
+              <a:rPr lang="en-US" sz="2800" b="1" dirty="0">
                 <a:solidFill>
                   <a:srgbClr val="FF0000"/>
                 </a:solidFill>
               </a:rPr>
-              <a:t>Note </a:t>
-            </a:r>
-            <a:r>
-              <a:rPr lang="en-US" sz="2800" b="1" dirty="0" smtClean="0">
-                <a:solidFill>
-                  <a:srgbClr val="FF0000"/>
-                </a:solidFill>
-              </a:rPr>
-              <a:t>that all Prolog sentences must end with a period</a:t>
-            </a:r>
-            <a:r>
-              <a:rPr lang="en-US" sz="2800" b="1" dirty="0" smtClean="0">
-                <a:solidFill>
-                  <a:srgbClr val="FF0000"/>
-                </a:solidFill>
-              </a:rPr>
-              <a:t>.</a:t>
-            </a:r>
-          </a:p>
-          <a:p>
-            <a:r>
-              <a:rPr lang="en-US" sz="2800" dirty="0" err="1" smtClean="0"/>
+              <a:t>Note that all Prolog sentences must end with a period.</a:t>
+            </a:r>
+          </a:p>
+          <a:p>
+            <a:r>
+              <a:rPr lang="en-US" sz="2800" dirty="0" err="1"/>
               <a:t>holi</a:t>
             </a:r>
             <a:r>
-              <a:rPr lang="en-US" sz="2800" dirty="0" smtClean="0"/>
+              <a:rPr lang="en-US" sz="2800" dirty="0"/>
               <a:t>.  </a:t>
             </a:r>
           </a:p>
           <a:p>
             <a:r>
-              <a:rPr lang="en-US" sz="2800" dirty="0" smtClean="0"/>
-              <a:t>cat(tom).</a:t>
-            </a:r>
-            <a:r>
-              <a:rPr lang="en-US" sz="2800" dirty="0" smtClean="0"/>
-              <a:t>                /* </a:t>
-            </a:r>
-            <a:r>
-              <a:rPr lang="en-US" sz="2800" dirty="0" smtClean="0"/>
-              <a:t>tom</a:t>
-            </a:r>
-            <a:r>
-              <a:rPr lang="en-US" sz="2800" dirty="0" smtClean="0"/>
-              <a:t> is a cat */  </a:t>
-            </a:r>
-          </a:p>
-          <a:p>
-            <a:r>
-              <a:rPr lang="en-US" sz="2800" b="1" dirty="0" smtClean="0"/>
-              <a:t>dog(spike).</a:t>
-            </a:r>
-            <a:r>
-              <a:rPr lang="en-US" sz="2800" b="1" dirty="0" smtClean="0"/>
-              <a:t>            /* </a:t>
-            </a:r>
-            <a:r>
-              <a:rPr lang="en-US" sz="2800" b="1" dirty="0" smtClean="0"/>
-              <a:t>spike</a:t>
-            </a:r>
-            <a:r>
-              <a:rPr lang="en-US" sz="2800" b="1" dirty="0" smtClean="0"/>
-              <a:t> is a dog */  </a:t>
-            </a:r>
-          </a:p>
-          <a:p>
-            <a:r>
-              <a:rPr lang="en-US" sz="2800" dirty="0" smtClean="0"/>
-              <a:t>likes(Jolie, </a:t>
-            </a:r>
-            <a:r>
-              <a:rPr lang="en-US" sz="2800" dirty="0" smtClean="0"/>
-              <a:t>coding).</a:t>
-            </a:r>
-            <a:r>
-              <a:rPr lang="en-US" sz="2800" dirty="0" smtClean="0"/>
-              <a:t>            /* Jolie likes </a:t>
-            </a:r>
-            <a:r>
-              <a:rPr lang="en-US" sz="2800" dirty="0" smtClean="0"/>
-              <a:t>coding</a:t>
-            </a:r>
-            <a:r>
-              <a:rPr lang="en-US" sz="2800" dirty="0" smtClean="0"/>
-              <a:t> */  </a:t>
-            </a:r>
-          </a:p>
-          <a:p>
-            <a:r>
-              <a:rPr lang="en-US" sz="2800" b="1" dirty="0" smtClean="0"/>
+              <a:rPr lang="en-US" sz="2800" dirty="0"/>
+              <a:t>cat(tom).                /* tom is a cat */  </a:t>
+            </a:r>
+          </a:p>
+          <a:p>
+            <a:r>
+              <a:rPr lang="en-US" sz="2800" b="1" dirty="0"/>
+              <a:t>dog(spike).            /* spike is a dog */  </a:t>
+            </a:r>
+          </a:p>
+          <a:p>
+            <a:r>
+              <a:rPr lang="en-US" sz="2800" dirty="0"/>
+              <a:t>likes(Jolie, coding).            /* Jolie likes coding */  </a:t>
+            </a:r>
+          </a:p>
+          <a:p>
+            <a:r>
+              <a:rPr lang="en-US" sz="2800" b="1" dirty="0"/>
               <a:t>likes(A, Kevin).                /* Everyone likes Kevin */  </a:t>
             </a:r>
           </a:p>
           <a:p>
             <a:r>
-              <a:rPr lang="en-US" sz="2800" dirty="0" smtClean="0"/>
+              <a:rPr lang="en-US" sz="2800" dirty="0"/>
               <a:t>likes(Jolie, B).                /* Jolie likes everybody */  </a:t>
             </a:r>
           </a:p>
           <a:p>
             <a:r>
-              <a:rPr lang="en-US" sz="2800" b="1" dirty="0" smtClean="0"/>
+              <a:rPr lang="en-US" sz="2800" b="1" dirty="0"/>
               <a:t>likes(B, Jolie), likes(Jolie, B).       /* Everybody likes Jolie and Jolie likes everybody */  </a:t>
             </a:r>
           </a:p>
           <a:p>
             <a:r>
-              <a:rPr lang="en-US" sz="2800" dirty="0" smtClean="0"/>
-              <a:t>likes(Jolie, </a:t>
-            </a:r>
-            <a:r>
-              <a:rPr lang="en-US" sz="2800" dirty="0" smtClean="0"/>
-              <a:t>coding);</a:t>
-            </a:r>
-            <a:r>
-              <a:rPr lang="en-US" sz="2800" dirty="0" smtClean="0"/>
-              <a:t> likes(Jolie, </a:t>
-            </a:r>
-            <a:r>
-              <a:rPr lang="en-US" sz="2800" dirty="0" smtClean="0"/>
-              <a:t>playing).</a:t>
-            </a:r>
-            <a:r>
-              <a:rPr lang="en-US" sz="2800" dirty="0" smtClean="0"/>
-              <a:t> /* Jolie likes </a:t>
-            </a:r>
-            <a:r>
-              <a:rPr lang="en-US" sz="2800" dirty="0" smtClean="0"/>
-              <a:t>coding</a:t>
-            </a:r>
-            <a:r>
-              <a:rPr lang="en-US" sz="2800" dirty="0" smtClean="0"/>
-              <a:t> or Jolie likes </a:t>
-            </a:r>
-            <a:r>
-              <a:rPr lang="en-US" sz="2800" dirty="0" smtClean="0"/>
-              <a:t>playing*/</a:t>
-            </a:r>
-            <a:r>
-              <a:rPr lang="en-US" sz="2800" dirty="0" smtClean="0"/>
-              <a:t>     </a:t>
-            </a:r>
-          </a:p>
-          <a:p>
-            <a:r>
-              <a:rPr lang="en-US" sz="2800" b="1" dirty="0" smtClean="0"/>
+              <a:rPr lang="en-US" sz="2800" dirty="0"/>
+              <a:t>likes(Jolie, coding); likes(Jolie, playing). /* Jolie likes coding or Jolie likes playing*/     </a:t>
+            </a:r>
+          </a:p>
+          <a:p>
+            <a:r>
+              <a:rPr lang="en-US" sz="2800" b="1" dirty="0"/>
               <a:t>not(likes(Jolie, pasta)).       /* Jolie does not like pasta */  </a:t>
             </a:r>
           </a:p>
           <a:p>
             <a:pPr algn="just"/>
-            <a:endParaRPr lang="en-US" sz="2800" dirty="0" smtClean="0"/>
+            <a:endParaRPr lang="en-US" sz="2800" dirty="0"/>
           </a:p>
           <a:p>
             <a:pPr algn="just"/>
@@ -5092,10 +4972,9 @@
           <a:lstStyle/>
           <a:p>
             <a:r>
-              <a:rPr lang="en-US" dirty="0" smtClean="0"/>
+              <a:rPr lang="en-US" dirty="0"/>
               <a:t>Queries</a:t>
             </a:r>
-            <a:endParaRPr lang="en-US" dirty="0"/>
           </a:p>
         </p:txBody>
       </p:sp>
@@ -5123,19 +5002,15 @@
           <a:p>
             <a:pPr algn="just"/>
             <a:r>
-              <a:rPr lang="en-US" sz="2400" b="1" dirty="0" smtClean="0"/>
-              <a:t>In </a:t>
-            </a:r>
-            <a:r>
-              <a:rPr lang="en-US" sz="2400" b="1" dirty="0" smtClean="0"/>
-              <a:t>Prolog, the query is the action of asking the program about the information which is available within its database. </a:t>
-            </a:r>
-            <a:r>
-              <a:rPr lang="en-US" sz="2400" dirty="0" smtClean="0"/>
+              <a:rPr lang="en-US" sz="2400" b="1" dirty="0"/>
+              <a:t>In Prolog, the query is the action of asking the program about the information which is available within its database. </a:t>
+            </a:r>
+            <a:r>
+              <a:rPr lang="en-US" sz="2400" dirty="0"/>
               <a:t>When a Prolog program is loaded, </a:t>
             </a:r>
             <a:r>
-              <a:rPr lang="en-US" sz="2400" dirty="0" smtClean="0">
+              <a:rPr lang="en-US" sz="2400" dirty="0">
                 <a:solidFill>
                   <a:srgbClr val="FF0000"/>
                 </a:solidFill>
@@ -5146,7 +5021,7 @@
           <a:p>
             <a:pPr algn="just"/>
             <a:r>
-              <a:rPr lang="en-US" sz="2400" dirty="0" smtClean="0">
+              <a:rPr lang="en-US" sz="2400" dirty="0">
                 <a:solidFill>
                   <a:srgbClr val="FF0000"/>
                 </a:solidFill>
@@ -5157,22 +5032,14 @@
           <a:p>
             <a:pPr algn="just"/>
             <a:r>
-              <a:rPr lang="en-US" sz="2400" dirty="0" smtClean="0"/>
-              <a:t>After this, we can ask about the information to the run time system. </a:t>
-            </a:r>
-            <a:r>
-              <a:rPr lang="en-US" sz="2400" dirty="0" smtClean="0"/>
-              <a:t>we </a:t>
-            </a:r>
-            <a:r>
-              <a:rPr lang="en-US" sz="2400" dirty="0" smtClean="0"/>
-              <a:t>can ask a question to the program like</a:t>
+              <a:rPr lang="en-US" sz="2400" dirty="0"/>
+              <a:t>After this, we can ask about the information to the run time system. we can ask a question to the program like</a:t>
             </a:r>
           </a:p>
           <a:p>
             <a:pPr algn="just"/>
             <a:r>
-              <a:rPr lang="en-US" sz="2400" dirty="0" smtClean="0">
+              <a:rPr lang="en-US" sz="2400" dirty="0">
                 <a:solidFill>
                   <a:srgbClr val="FF0000"/>
                 </a:solidFill>
@@ -5183,21 +5050,21 @@
           <a:p>
             <a:pPr algn="just"/>
             <a:r>
-              <a:rPr lang="en-US" sz="2400" dirty="0" smtClean="0"/>
+              <a:rPr lang="en-US" sz="2400" dirty="0"/>
               <a:t>and it will give the answer</a:t>
             </a:r>
           </a:p>
           <a:p>
             <a:pPr algn="just"/>
             <a:r>
-              <a:rPr lang="en-US" sz="2400" dirty="0" smtClean="0"/>
+              <a:rPr lang="en-US" sz="2400" dirty="0"/>
               <a:t>yes   </a:t>
             </a:r>
           </a:p>
           <a:p>
             <a:pPr algn="just"/>
             <a:r>
-              <a:rPr lang="en-US" sz="2400" dirty="0" smtClean="0"/>
+              <a:rPr lang="en-US" sz="2400" dirty="0"/>
               <a:t>?-  </a:t>
             </a:r>
           </a:p>
@@ -5288,10 +5155,9 @@
           <a:lstStyle/>
           <a:p>
             <a:r>
-              <a:rPr lang="en-US" dirty="0" smtClean="0"/>
+              <a:rPr lang="en-US" dirty="0"/>
               <a:t>Rules</a:t>
             </a:r>
-            <a:endParaRPr lang="en-US" dirty="0"/>
           </a:p>
         </p:txBody>
       </p:sp>
@@ -5319,44 +5185,36 @@
           <a:p>
             <a:pPr algn="just"/>
             <a:r>
-              <a:rPr lang="en-US" sz="2000" dirty="0" smtClean="0">
+              <a:rPr lang="en-US" sz="2000" dirty="0">
                 <a:solidFill>
                   <a:srgbClr val="FF0000"/>
                 </a:solidFill>
               </a:rPr>
-              <a:t>Rules </a:t>
-            </a:r>
-            <a:r>
-              <a:rPr lang="en-US" sz="2000" dirty="0" smtClean="0">
-                <a:solidFill>
-                  <a:srgbClr val="FF0000"/>
-                </a:solidFill>
-              </a:rPr>
-              <a:t>extend the logic program capabilities. Rules are used to provide the decision-making process in Prolog. Rules are specified in the form:</a:t>
+              <a:t>Rules extend the logic program capabilities. Rules are used to provide the decision-making process in Prolog. Rules are specified in the form:</a:t>
             </a:r>
           </a:p>
           <a:p>
             <a:pPr algn="just"/>
             <a:r>
-              <a:rPr lang="en-US" sz="2000" b="1" dirty="0" smtClean="0"/>
+              <a:rPr lang="en-US" sz="2000" b="1" dirty="0"/>
               <a:t>head:- t1, t2, t3,….., tk. Where k&gt;=1  </a:t>
             </a:r>
           </a:p>
           <a:p>
             <a:pPr algn="just"/>
             <a:r>
-              <a:rPr lang="en-US" sz="2000" dirty="0" smtClean="0"/>
+              <a:rPr lang="en-US" sz="2000" dirty="0"/>
               <a:t>The head is known as the clause of the head.</a:t>
             </a:r>
           </a:p>
           <a:p>
             <a:pPr algn="just"/>
             <a:r>
-              <a:rPr lang="en-US" sz="2000" b="1" dirty="0" smtClean="0"/>
+              <a:rPr lang="en-US" sz="2000" b="1" dirty="0"/>
               <a:t>:- is known as the clause neck. </a:t>
             </a:r>
             <a:r>
-              <a:rPr lang="en-US" sz="2000" dirty="0" smtClean="0">
+              <a:rPr lang="en-US" sz="2000" dirty="0">
                 <a:solidFill>
                   <a:srgbClr val="FF0000"/>
                 </a:solidFill>
@@ -5364,11 +5222,11 @@
               <a:t>It is read as 'if'. </a:t>
             </a:r>
             <a:r>
-              <a:rPr lang="en-US" sz="2000" dirty="0" smtClean="0"/>
+              <a:rPr lang="en-US" sz="2000" dirty="0"/>
               <a:t>The body of the clause is specified by t1, t2, t3,…, tk. </a:t>
             </a:r>
             <a:r>
-              <a:rPr lang="en-US" sz="2000" dirty="0" smtClean="0">
+              <a:rPr lang="en-US" sz="2000" dirty="0">
                 <a:solidFill>
                   <a:srgbClr val="FF0000"/>
                 </a:solidFill>
@@ -5376,15 +5234,15 @@
               <a:t>It contains one or more components, and it can be separated using the commas. </a:t>
             </a:r>
             <a:r>
-              <a:rPr lang="en-US" sz="2000" dirty="0" smtClean="0"/>
+              <a:rPr lang="en-US" sz="2000" dirty="0"/>
               <a:t>A rule will read as 'head is true if t1, t2, t3,…., </a:t>
             </a:r>
             <a:r>
-              <a:rPr lang="en-US" sz="2000" dirty="0" err="1" smtClean="0"/>
+              <a:rPr lang="en-US" sz="2000" dirty="0" err="1"/>
               <a:t>tk</a:t>
             </a:r>
             <a:r>
-              <a:rPr lang="en-US" sz="2000" dirty="0" smtClean="0"/>
+              <a:rPr lang="en-US" sz="2000" dirty="0"/>
               <a:t> are all true'</a:t>
             </a:r>
           </a:p>
@@ -5392,12 +5250,8 @@
             <a:pPr algn="just">
               <a:buNone/>
             </a:pPr>
-            <a:r>
-              <a:rPr lang="en-US" sz="2000" dirty="0" smtClean="0"/>
-              <a:t/>
-            </a:r>
             <a:br>
-              <a:rPr lang="en-US" sz="2000" dirty="0" smtClean="0"/>
+              <a:rPr lang="en-US" sz="2000" dirty="0"/>
             </a:br>
             <a:endParaRPr lang="en-US" sz="2000" dirty="0"/>
           </a:p>
@@ -5459,38 +5313,38 @@
           <a:p>
             <a:pPr algn="just"/>
             <a:r>
-              <a:rPr lang="en-US" sz="2000" dirty="0" smtClean="0"/>
+              <a:rPr lang="en-US" sz="2000" dirty="0"/>
               <a:t>The above rules mean </a:t>
             </a:r>
             <a:r>
-              <a:rPr lang="en-US" sz="2000" b="1" dirty="0" smtClean="0"/>
+              <a:rPr lang="en-US" sz="2000" b="1" dirty="0"/>
               <a:t>that '</a:t>
             </a:r>
             <a:r>
-              <a:rPr lang="en-US" sz="2000" b="1" dirty="0" err="1" smtClean="0"/>
+              <a:rPr lang="en-US" sz="2000" b="1" dirty="0" err="1"/>
               <a:t>large_animal</a:t>
             </a:r>
             <a:r>
-              <a:rPr lang="en-US" sz="2000" b="1" dirty="0" smtClean="0"/>
+              <a:rPr lang="en-US" sz="2000" b="1" dirty="0"/>
               <a:t>(A) is true if dog(A) is true</a:t>
             </a:r>
             <a:r>
-              <a:rPr lang="en-US" sz="2000" dirty="0" smtClean="0"/>
+              <a:rPr lang="en-US" sz="2000" dirty="0"/>
               <a:t>, and </a:t>
             </a:r>
             <a:r>
-              <a:rPr lang="en-US" sz="2000" b="1" dirty="0" smtClean="0"/>
+              <a:rPr lang="en-US" sz="2000" b="1" dirty="0"/>
               <a:t>large(A) is true</a:t>
             </a:r>
             <a:r>
-              <a:rPr lang="en-US" sz="2000" dirty="0" smtClean="0"/>
+              <a:rPr lang="en-US" sz="2000" dirty="0"/>
               <a:t>, etc.'</a:t>
             </a:r>
           </a:p>
           <a:p>
             <a:pPr algn="just"/>
             <a:r>
-              <a:rPr lang="en-US" sz="2000" dirty="0" smtClean="0">
+              <a:rPr lang="en-US" sz="2000" dirty="0">
                 <a:solidFill>
                   <a:srgbClr val="FF0000"/>
                 </a:solidFill>
@@ -5498,7 +5352,7 @@
               <a:t>The last line means that '</a:t>
             </a:r>
             <a:r>
-              <a:rPr lang="en-US" sz="2000" dirty="0" err="1" smtClean="0">
+              <a:rPr lang="en-US" sz="2000" dirty="0" err="1">
                 <a:solidFill>
                   <a:srgbClr val="FF0000"/>
                 </a:solidFill>
@@ -5506,18 +5360,13 @@
               <a:t>large_animal</a:t>
             </a:r>
             <a:r>
-              <a:rPr lang="en-US" sz="2000" dirty="0" smtClean="0">
+              <a:rPr lang="en-US" sz="2000" dirty="0">
                 <a:solidFill>
                   <a:srgbClr val="FF0000"/>
                 </a:solidFill>
               </a:rPr>
               <a:t>(C) is true if cat(C) is true, and large(C) is true.</a:t>
             </a:r>
-            <a:endParaRPr lang="en-US" sz="2000" dirty="0">
-              <a:solidFill>
-                <a:srgbClr val="FF0000"/>
-              </a:solidFill>
-            </a:endParaRPr>
           </a:p>
         </p:txBody>
       </p:sp>
@@ -5569,10 +5418,9 @@
           <a:lstStyle/>
           <a:p>
             <a:r>
-              <a:rPr lang="en-US" dirty="0" smtClean="0"/>
+              <a:rPr lang="en-US" dirty="0"/>
               <a:t>Prolog</a:t>
             </a:r>
-            <a:endParaRPr lang="en-US" dirty="0"/>
           </a:p>
         </p:txBody>
       </p:sp>
@@ -5595,32 +5443,32 @@
           <a:p>
             <a:pPr algn="just"/>
             <a:r>
-              <a:rPr lang="en-US" sz="2800" b="1" dirty="0" smtClean="0"/>
+              <a:rPr lang="en-US" sz="2800" b="1" dirty="0"/>
               <a:t>Prolog is a </a:t>
             </a:r>
             <a:r>
-              <a:rPr lang="en-US" sz="2800" b="1" u="sng" dirty="0" smtClean="0">
+              <a:rPr lang="en-US" sz="2800" b="1" u="sng" dirty="0">
                 <a:hlinkClick r:id="rId2"/>
               </a:rPr>
               <a:t>logic programming</a:t>
             </a:r>
             <a:r>
-              <a:rPr lang="en-US" sz="2800" b="1" dirty="0" smtClean="0"/>
+              <a:rPr lang="en-US" sz="2800" b="1" dirty="0"/>
               <a:t> language. It has important role in artificial intelligence</a:t>
             </a:r>
             <a:r>
-              <a:rPr lang="en-US" sz="2800" dirty="0" smtClean="0"/>
+              <a:rPr lang="en-US" sz="2800" dirty="0"/>
               <a:t>. Unlike many other programming languages, </a:t>
             </a:r>
             <a:r>
-              <a:rPr lang="en-US" sz="2800" b="1" dirty="0" smtClean="0"/>
+              <a:rPr lang="en-US" sz="2800" b="1" dirty="0"/>
               <a:t>Prolog is intended primarily as a declarative programming language. </a:t>
             </a:r>
           </a:p>
           <a:p>
             <a:pPr algn="just"/>
             <a:r>
-              <a:rPr lang="en-US" sz="2800" dirty="0" smtClean="0">
+              <a:rPr lang="en-US" sz="2800" dirty="0">
                 <a:solidFill>
                   <a:srgbClr val="FF0000"/>
                 </a:solidFill>
@@ -5631,17 +5479,16 @@
           <a:p>
             <a:pPr algn="just"/>
             <a:r>
-              <a:rPr lang="en-US" sz="2800" b="1" dirty="0" smtClean="0"/>
+              <a:rPr lang="en-US" sz="2800" b="1" dirty="0"/>
               <a:t>Core heart of prolog lies at the logic being applied. </a:t>
             </a:r>
           </a:p>
           <a:p>
             <a:pPr algn="just"/>
             <a:r>
-              <a:rPr lang="en-US" sz="2800" dirty="0" smtClean="0"/>
+              <a:rPr lang="en-US" sz="2800" dirty="0"/>
               <a:t>Formulation or Computation is carried out by running a query over these relations.</a:t>
             </a:r>
-            <a:endParaRPr lang="en-US" sz="2800" dirty="0"/>
           </a:p>
         </p:txBody>
       </p:sp>
@@ -5796,15 +5643,15 @@
           <a:p>
             <a:pPr algn="ctr"/>
             <a:r>
-              <a:rPr lang="en-US" dirty="0" err="1" smtClean="0"/>
+              <a:rPr lang="en-US" dirty="0" err="1"/>
               <a:t>Harivansh</a:t>
             </a:r>
             <a:r>
-              <a:rPr lang="en-US" dirty="0" smtClean="0"/>
+              <a:rPr lang="en-US" dirty="0"/>
               <a:t>  </a:t>
             </a:r>
             <a:r>
-              <a:rPr lang="en-US" dirty="0" err="1" smtClean="0"/>
+              <a:rPr lang="en-US" dirty="0" err="1"/>
               <a:t>bachchan</a:t>
             </a:r>
             <a:endParaRPr lang="en-US" dirty="0"/>
@@ -5846,15 +5693,15 @@
           <a:p>
             <a:pPr algn="ctr"/>
             <a:r>
-              <a:rPr lang="en-US" sz="1600" dirty="0" err="1" smtClean="0"/>
+              <a:rPr lang="en-US" sz="1600" dirty="0" err="1"/>
               <a:t>Teji</a:t>
             </a:r>
             <a:r>
-              <a:rPr lang="en-US" sz="1600" dirty="0" smtClean="0"/>
+              <a:rPr lang="en-US" sz="1600" dirty="0"/>
               <a:t>  </a:t>
             </a:r>
             <a:r>
-              <a:rPr lang="en-US" sz="1600" dirty="0" err="1" smtClean="0"/>
+              <a:rPr lang="en-US" sz="1600" dirty="0" err="1"/>
               <a:t>bachchan</a:t>
             </a:r>
             <a:endParaRPr lang="en-US" sz="1600" dirty="0"/>
@@ -5896,15 +5743,15 @@
           <a:p>
             <a:pPr algn="ctr"/>
             <a:r>
-              <a:rPr lang="en-US" dirty="0" err="1" smtClean="0"/>
+              <a:rPr lang="en-US" dirty="0" err="1"/>
               <a:t>Amitabh</a:t>
             </a:r>
             <a:r>
-              <a:rPr lang="en-US" dirty="0" smtClean="0"/>
+              <a:rPr lang="en-US" dirty="0"/>
               <a:t> </a:t>
             </a:r>
             <a:r>
-              <a:rPr lang="en-US" dirty="0" err="1" smtClean="0"/>
+              <a:rPr lang="en-US" dirty="0" err="1"/>
               <a:t>bachchan</a:t>
             </a:r>
             <a:endParaRPr lang="en-US" dirty="0"/>
@@ -5946,11 +5793,11 @@
           <a:p>
             <a:pPr algn="ctr"/>
             <a:r>
-              <a:rPr lang="en-US" dirty="0" smtClean="0"/>
+              <a:rPr lang="en-US" dirty="0"/>
               <a:t>Jaya </a:t>
             </a:r>
             <a:r>
-              <a:rPr lang="en-US" dirty="0" err="1" smtClean="0"/>
+              <a:rPr lang="en-US" dirty="0" err="1"/>
               <a:t>bachchan</a:t>
             </a:r>
             <a:endParaRPr lang="en-US" dirty="0"/>
@@ -5992,7 +5839,7 @@
           <a:p>
             <a:pPr algn="ctr"/>
             <a:r>
-              <a:rPr lang="en-US" dirty="0" err="1" smtClean="0"/>
+              <a:rPr lang="en-US" dirty="0" err="1"/>
               <a:t>Shweta</a:t>
             </a:r>
             <a:endParaRPr lang="en-US" dirty="0"/>
@@ -6034,7 +5881,7 @@
           <a:p>
             <a:pPr algn="ctr"/>
             <a:r>
-              <a:rPr lang="en-US" dirty="0" err="1" smtClean="0"/>
+              <a:rPr lang="en-US" dirty="0" err="1"/>
               <a:t>Aishwarya</a:t>
             </a:r>
             <a:endParaRPr lang="en-US" dirty="0"/>
@@ -6076,15 +5923,15 @@
           <a:p>
             <a:pPr algn="ctr"/>
             <a:r>
-              <a:rPr lang="en-US" dirty="0" err="1" smtClean="0"/>
+              <a:rPr lang="en-US" dirty="0" err="1"/>
               <a:t>Abhishek</a:t>
             </a:r>
             <a:r>
-              <a:rPr lang="en-US" dirty="0" smtClean="0"/>
+              <a:rPr lang="en-US" dirty="0"/>
               <a:t> </a:t>
             </a:r>
             <a:r>
-              <a:rPr lang="en-US" dirty="0" err="1" smtClean="0"/>
+              <a:rPr lang="en-US" dirty="0" err="1"/>
               <a:t>Bachchan</a:t>
             </a:r>
             <a:endParaRPr lang="en-US" dirty="0"/>
@@ -6126,7 +5973,7 @@
           <a:p>
             <a:pPr algn="ctr"/>
             <a:r>
-              <a:rPr lang="en-US" dirty="0" err="1" smtClean="0"/>
+              <a:rPr lang="en-US" dirty="0" err="1"/>
               <a:t>Aradhya</a:t>
             </a:r>
             <a:endParaRPr lang="en-US" dirty="0"/>
@@ -6421,13 +6268,6 @@
   <p:clrMapOvr>
     <a:masterClrMapping/>
   </p:clrMapOvr>
-  <p:timing>
-    <p:tnLst>
-      <p:par>
-        <p:cTn id="1" dur="indefinite" restart="never" nodeType="tmRoot"/>
-      </p:par>
-    </p:tnLst>
-  </p:timing>
 </p:sld>
 </file>
 
@@ -6504,10 +6344,9 @@
           <a:lstStyle/>
           <a:p>
             <a:r>
-              <a:rPr lang="en-US" b="1" dirty="0" smtClean="0"/>
+              <a:rPr lang="en-US" b="1" dirty="0"/>
               <a:t>FACTS AND RULES</a:t>
             </a:r>
-            <a:endParaRPr lang="en-US" b="1" dirty="0"/>
           </a:p>
         </p:txBody>
       </p:sp>
@@ -6516,13 +6355,6 @@
   <p:clrMapOvr>
     <a:masterClrMapping/>
   </p:clrMapOvr>
-  <p:timing>
-    <p:tnLst>
-      <p:par>
-        <p:cTn id="1" dur="indefinite" restart="never" nodeType="tmRoot"/>
-      </p:par>
-    </p:tnLst>
-  </p:timing>
 </p:sld>
 </file>
 
@@ -6594,7 +6426,7 @@
               <a:tabLst/>
             </a:pPr>
             <a:r>
-              <a:rPr kumimoji="0" lang="en-US" sz="1600" b="1" i="0" u="none" strike="noStrike" cap="none" normalizeH="0" baseline="0" dirty="0" smtClean="0">
+              <a:rPr kumimoji="0" lang="en-US" sz="1600" b="1" i="0" u="none" strike="noStrike" cap="none" normalizeH="0" baseline="0" dirty="0">
                 <a:ln>
                   <a:noFill/>
                 </a:ln>
@@ -6608,7 +6440,7 @@
               </a:rPr>
               <a:t>1. To check if TEJI is a mother of AMITABH</a:t>
             </a:r>
-            <a:endParaRPr kumimoji="0" lang="en-US" sz="2400" b="0" i="0" u="none" strike="noStrike" cap="none" normalizeH="0" baseline="0" dirty="0" smtClean="0">
+            <a:endParaRPr kumimoji="0" lang="en-US" sz="2400" b="0" i="0" u="none" strike="noStrike" cap="none" normalizeH="0" baseline="0" dirty="0">
               <a:ln>
                 <a:noFill/>
               </a:ln>
@@ -6677,7 +6509,7 @@
           <a:lstStyle/>
           <a:p>
             <a:r>
-              <a:rPr lang="en-US" b="1" dirty="0" smtClean="0"/>
+              <a:rPr lang="en-US" b="1" dirty="0"/>
               <a:t>2.  print all those mother relationship between two objects. M&amp; C</a:t>
             </a:r>
             <a:endParaRPr lang="en-US" dirty="0"/>
@@ -6768,7 +6600,7 @@
               <a:tabLst/>
             </a:pPr>
             <a:r>
-              <a:rPr kumimoji="0" lang="en-US" sz="1600" b="1" i="0" u="none" strike="noStrike" cap="none" normalizeH="0" baseline="0" dirty="0" smtClean="0">
+              <a:rPr kumimoji="0" lang="en-US" sz="1600" b="1" i="0" u="none" strike="noStrike" cap="none" normalizeH="0" baseline="0" dirty="0">
                 <a:ln>
                   <a:noFill/>
                 </a:ln>
@@ -6782,7 +6614,7 @@
               </a:rPr>
               <a:t>3. check whether somebody is grandfather of some object</a:t>
             </a:r>
-            <a:endParaRPr kumimoji="0" lang="en-US" sz="2400" b="0" i="0" u="none" strike="noStrike" cap="none" normalizeH="0" baseline="0" dirty="0" smtClean="0">
+            <a:endParaRPr kumimoji="0" lang="en-US" sz="2400" b="0" i="0" u="none" strike="noStrike" cap="none" normalizeH="0" baseline="0" dirty="0">
               <a:ln>
                 <a:noFill/>
               </a:ln>
@@ -6834,13 +6666,6 @@
   <p:clrMapOvr>
     <a:masterClrMapping/>
   </p:clrMapOvr>
-  <p:timing>
-    <p:tnLst>
-      <p:par>
-        <p:cTn id="1" dur="indefinite" restart="never" nodeType="tmRoot"/>
-      </p:par>
-    </p:tnLst>
-  </p:timing>
 </p:sld>
 </file>
 
@@ -6912,7 +6737,7 @@
               <a:tabLst/>
             </a:pPr>
             <a:r>
-              <a:rPr kumimoji="0" lang="en-US" sz="1600" b="1" i="0" u="none" strike="noStrike" cap="none" normalizeH="0" baseline="0" dirty="0" smtClean="0">
+              <a:rPr kumimoji="0" lang="en-US" sz="1600" b="1" i="0" u="none" strike="noStrike" cap="none" normalizeH="0" baseline="0" dirty="0">
                 <a:ln>
                   <a:noFill/>
                 </a:ln>
@@ -6926,7 +6751,7 @@
               </a:rPr>
               <a:t>4. Check how many children are there for a person</a:t>
             </a:r>
-            <a:endParaRPr kumimoji="0" lang="en-US" sz="2400" b="0" i="0" u="none" strike="noStrike" cap="none" normalizeH="0" baseline="0" dirty="0" smtClean="0">
+            <a:endParaRPr kumimoji="0" lang="en-US" sz="2400" b="0" i="0" u="none" strike="noStrike" cap="none" normalizeH="0" baseline="0" dirty="0">
               <a:ln>
                 <a:noFill/>
               </a:ln>
@@ -6978,13 +6803,6 @@
   <p:clrMapOvr>
     <a:masterClrMapping/>
   </p:clrMapOvr>
-  <p:timing>
-    <p:tnLst>
-      <p:par>
-        <p:cTn id="1" dur="indefinite" restart="never" nodeType="tmRoot"/>
-      </p:par>
-    </p:tnLst>
-  </p:timing>
 </p:sld>
 </file>
 
@@ -7028,12 +6846,8 @@
           <a:lstStyle/>
           <a:p>
             <a:r>
-              <a:rPr lang="en-US" sz="4000" b="1" dirty="0" smtClean="0"/>
-              <a:t>Applications of </a:t>
-            </a:r>
-            <a:r>
-              <a:rPr lang="en-US" sz="4000" b="1" dirty="0" smtClean="0"/>
-              <a:t>Prolog</a:t>
+              <a:rPr lang="en-US" sz="4000" b="1" dirty="0"/>
+              <a:t>Applications of Prolog</a:t>
             </a:r>
             <a:endParaRPr lang="en-US" sz="4000" dirty="0"/>
           </a:p>
@@ -7058,67 +6872,63 @@
           <a:p>
             <a:pPr algn="just"/>
             <a:r>
-              <a:rPr lang="en-US" sz="2400" dirty="0" smtClean="0"/>
-              <a:t>The </a:t>
-            </a:r>
-            <a:r>
-              <a:rPr lang="en-US" sz="2400" dirty="0" smtClean="0"/>
-              <a:t>applications of prolog are as follows:</a:t>
+              <a:rPr lang="en-US" sz="2400" dirty="0"/>
+              <a:t>The applications of prolog are as follows:</a:t>
             </a:r>
           </a:p>
           <a:p>
             <a:pPr algn="just"/>
             <a:r>
-              <a:rPr lang="en-US" sz="2400" dirty="0" smtClean="0"/>
+              <a:rPr lang="en-US" sz="2400" dirty="0"/>
               <a:t>Specification Language</a:t>
             </a:r>
           </a:p>
           <a:p>
             <a:pPr algn="just"/>
             <a:r>
-              <a:rPr lang="en-US" sz="2400" dirty="0" smtClean="0"/>
+              <a:rPr lang="en-US" sz="2400" dirty="0"/>
               <a:t>Robot Planning</a:t>
             </a:r>
           </a:p>
           <a:p>
             <a:pPr algn="just"/>
             <a:r>
-              <a:rPr lang="en-US" sz="2400" dirty="0" smtClean="0"/>
+              <a:rPr lang="en-US" sz="2400" dirty="0"/>
               <a:t>Natural language understanding</a:t>
             </a:r>
           </a:p>
           <a:p>
             <a:pPr algn="just"/>
             <a:r>
-              <a:rPr lang="en-US" sz="2400" dirty="0" smtClean="0"/>
+              <a:rPr lang="en-US" sz="2400" dirty="0"/>
               <a:t>Machine Learning</a:t>
             </a:r>
           </a:p>
           <a:p>
             <a:pPr algn="just"/>
             <a:r>
-              <a:rPr lang="en-US" sz="2400" dirty="0" smtClean="0"/>
+              <a:rPr lang="en-US" sz="2400" dirty="0"/>
               <a:t>Problem Solving</a:t>
             </a:r>
           </a:p>
           <a:p>
             <a:pPr algn="just"/>
             <a:r>
-              <a:rPr lang="en-US" sz="2400" dirty="0" smtClean="0"/>
+              <a:rPr lang="en-US" sz="2400" dirty="0"/>
               <a:t>Intelligent Database retrieval</a:t>
             </a:r>
           </a:p>
           <a:p>
             <a:pPr algn="just"/>
             <a:r>
-              <a:rPr lang="en-US" sz="2400" dirty="0" smtClean="0"/>
+              <a:rPr lang="en-US" sz="2400" dirty="0"/>
               <a:t>Expert System</a:t>
             </a:r>
           </a:p>
           <a:p>
             <a:pPr algn="just"/>
             <a:r>
-              <a:rPr lang="en-US" sz="2400" dirty="0" smtClean="0"/>
+              <a:rPr lang="en-US" sz="2400" dirty="0"/>
               <a:t>Automated Reasoning</a:t>
             </a:r>
           </a:p>
@@ -7176,10 +6986,9 @@
           <a:lstStyle/>
           <a:p>
             <a:r>
-              <a:rPr lang="en-US" dirty="0" smtClean="0"/>
+              <a:rPr lang="en-US" dirty="0"/>
               <a:t>Starting Prolog</a:t>
             </a:r>
-            <a:endParaRPr lang="en-US" dirty="0"/>
           </a:p>
         </p:txBody>
       </p:sp>
@@ -7207,37 +7016,32 @@
           <a:p>
             <a:pPr algn="just"/>
             <a:r>
-              <a:rPr lang="en-US" sz="2400" dirty="0" smtClean="0"/>
+              <a:rPr lang="en-US" sz="2400" dirty="0"/>
               <a:t>Prolog system is straightforward. From one person to other person, the precise details of Prolog will vary. </a:t>
             </a:r>
-            <a:endParaRPr lang="en-US" sz="2400" dirty="0" smtClean="0"/>
           </a:p>
           <a:p>
             <a:pPr algn="just"/>
             <a:r>
-              <a:rPr lang="en-US" sz="2400" b="1" dirty="0" smtClean="0"/>
-              <a:t>Prolog </a:t>
-            </a:r>
-            <a:r>
-              <a:rPr lang="en-US" sz="2400" b="1" dirty="0" smtClean="0"/>
-              <a:t>will produce a number of lines of headings in the starting, which is followed by a line. It contains just</a:t>
+              <a:rPr lang="en-US" sz="2400" b="1" dirty="0"/>
+              <a:t>Prolog will produce a number of lines of headings in the starting, which is followed by a line. It contains just</a:t>
             </a:r>
           </a:p>
           <a:p>
             <a:pPr algn="just"/>
             <a:r>
-              <a:rPr lang="en-US" sz="2400" b="1" dirty="0" smtClean="0"/>
+              <a:rPr lang="en-US" sz="2400" b="1" dirty="0"/>
               <a:t>?-</a:t>
             </a:r>
           </a:p>
           <a:p>
             <a:pPr algn="just"/>
             <a:r>
-              <a:rPr lang="en-US" sz="2400" dirty="0" smtClean="0"/>
+              <a:rPr lang="en-US" sz="2400" dirty="0"/>
               <a:t>The above symbol shows the system prompt. </a:t>
             </a:r>
             <a:r>
-              <a:rPr lang="en-US" sz="2400" dirty="0" smtClean="0">
+              <a:rPr lang="en-US" sz="2400" dirty="0">
                 <a:solidFill>
                   <a:srgbClr val="FF0000"/>
                 </a:solidFill>
@@ -7245,22 +7049,22 @@
               <a:t>The prompt is used to show that the Prolog system is ready to specify one or more goals of sequence to the user. </a:t>
             </a:r>
             <a:r>
-              <a:rPr lang="en-US" sz="2400" b="1" dirty="0" smtClean="0"/>
+              <a:rPr lang="en-US" sz="2400" b="1" dirty="0"/>
               <a:t>Using a full stop, we can terminate the sequence of goals.</a:t>
             </a:r>
           </a:p>
           <a:p>
             <a:pPr algn="just"/>
             <a:r>
-              <a:rPr lang="en-US" sz="2400" b="1" dirty="0" smtClean="0"/>
+              <a:rPr lang="en-US" sz="2400" b="1" dirty="0"/>
               <a:t>?- prompt</a:t>
             </a:r>
             <a:r>
-              <a:rPr lang="en-US" sz="2400" dirty="0" smtClean="0"/>
+              <a:rPr lang="en-US" sz="2400" dirty="0"/>
               <a:t> shows the sequence of goal which is entered by the user. </a:t>
             </a:r>
             <a:r>
-              <a:rPr lang="en-US" sz="2400" dirty="0" smtClean="0">
+              <a:rPr lang="en-US" sz="2400" dirty="0">
                 <a:solidFill>
                   <a:srgbClr val="FF0000"/>
                 </a:solidFill>
@@ -7268,21 +7072,17 @@
               <a:t>The user will not type the prompt</a:t>
             </a:r>
             <a:r>
-              <a:rPr lang="en-US" sz="2400" dirty="0" smtClean="0"/>
+              <a:rPr lang="en-US" sz="2400" dirty="0"/>
               <a:t>. Prolog system will automatically generate this prompt</a:t>
             </a:r>
             <a:r>
-              <a:rPr lang="en-US" sz="2400" b="1" dirty="0" smtClean="0"/>
+              <a:rPr lang="en-US" sz="2400" b="1" dirty="0"/>
               <a:t>. It means that it is ready to receive a sequence of goals.</a:t>
             </a:r>
-            <a:r>
-              <a:rPr lang="en-US" sz="2400" dirty="0" smtClean="0"/>
-              <a:t/>
-            </a:r>
             <a:br>
-              <a:rPr lang="en-US" sz="2400" dirty="0" smtClean="0"/>
+              <a:rPr lang="en-US" sz="2400" dirty="0"/>
             </a:br>
-            <a:endParaRPr lang="en-US" sz="2400" dirty="0" smtClean="0"/>
+            <a:endParaRPr lang="en-US" sz="2400" dirty="0"/>
           </a:p>
           <a:p>
             <a:pPr algn="just"/>
@@ -7333,34 +7133,34 @@
         </p:spPr>
         <p:txBody>
           <a:bodyPr>
-            <a:normAutofit fontScale="62500" lnSpcReduction="20000"/>
+            <a:normAutofit fontScale="70000" lnSpcReduction="20000"/>
           </a:bodyPr>
           <a:lstStyle/>
           <a:p>
             <a:r>
-              <a:rPr lang="en-US" b="1" dirty="0" smtClean="0"/>
+              <a:rPr lang="en-US" b="1" dirty="0"/>
               <a:t>?- write("welcome to prolog"),</a:t>
             </a:r>
             <a:r>
-              <a:rPr lang="en-US" b="1" dirty="0" err="1" smtClean="0"/>
+              <a:rPr lang="en-US" b="1" dirty="0" err="1"/>
               <a:t>nl,write</a:t>
             </a:r>
             <a:r>
-              <a:rPr lang="en-US" b="1" dirty="0" smtClean="0"/>
+              <a:rPr lang="en-US" b="1" dirty="0"/>
               <a:t>("example"),</a:t>
             </a:r>
             <a:r>
-              <a:rPr lang="en-US" b="1" dirty="0" err="1" smtClean="0"/>
+              <a:rPr lang="en-US" b="1" dirty="0" err="1"/>
               <a:t>nl</a:t>
             </a:r>
             <a:r>
-              <a:rPr lang="en-US" b="1" dirty="0" smtClean="0"/>
+              <a:rPr lang="en-US" b="1" dirty="0"/>
               <a:t>.</a:t>
             </a:r>
           </a:p>
           <a:p>
             <a:r>
-              <a:rPr lang="en-US" dirty="0" smtClean="0">
+              <a:rPr lang="en-US" dirty="0">
                 <a:solidFill>
                   <a:srgbClr val="FF0000"/>
                 </a:solidFill>
@@ -7370,7 +7170,7 @@
           </a:p>
           <a:p>
             <a:r>
-              <a:rPr lang="en-US" dirty="0" smtClean="0">
+              <a:rPr lang="en-US" dirty="0">
                 <a:solidFill>
                   <a:srgbClr val="FF0000"/>
                 </a:solidFill>
@@ -7380,7 +7180,7 @@
           </a:p>
           <a:p>
             <a:r>
-              <a:rPr lang="en-US" dirty="0" smtClean="0">
+              <a:rPr lang="en-US" dirty="0">
                 <a:solidFill>
                   <a:srgbClr val="FF0000"/>
                 </a:solidFill>
@@ -7390,91 +7190,59 @@
           </a:p>
           <a:p>
             <a:r>
-              <a:rPr lang="en-US" dirty="0" smtClean="0"/>
+              <a:rPr lang="en-US" dirty="0"/>
               <a:t>The above sequence of goals has to succeed in order to be succeeded.</a:t>
             </a:r>
           </a:p>
           <a:p>
             <a:r>
-              <a:rPr lang="en-US" b="1" dirty="0" smtClean="0"/>
-              <a:t>write('Welcome to </a:t>
-            </a:r>
-            <a:r>
-              <a:rPr lang="en-US" b="1" dirty="0" err="1" smtClean="0"/>
-              <a:t>Javatpoint</a:t>
-            </a:r>
-            <a:r>
-              <a:rPr lang="en-US" b="1" dirty="0" smtClean="0"/>
-              <a:t>')</a:t>
-            </a:r>
-            <a:r>
-              <a:rPr lang="en-US" dirty="0" smtClean="0"/>
-              <a:t/>
+              <a:rPr lang="en-US" b="1" dirty="0"/>
+              <a:t>write('Welcome to prolog')</a:t>
             </a:r>
             <a:br>
-              <a:rPr lang="en-US" dirty="0" smtClean="0"/>
+              <a:rPr lang="en-US" dirty="0"/>
             </a:br>
             <a:r>
-              <a:rPr lang="en-US" dirty="0" smtClean="0"/>
-              <a:t>On the screen of the user, Welcome to </a:t>
-            </a:r>
-            <a:r>
-              <a:rPr lang="en-US" dirty="0" err="1" smtClean="0"/>
-              <a:t>Javatpoint</a:t>
-            </a:r>
-            <a:r>
-              <a:rPr lang="en-US" dirty="0" smtClean="0"/>
-              <a:t> has to be displayed</a:t>
-            </a:r>
-          </a:p>
-          <a:p>
-            <a:r>
-              <a:rPr lang="en-US" b="1" dirty="0" err="1" smtClean="0"/>
+              <a:rPr lang="en-US" dirty="0"/>
+              <a:t>On the screen of the user, Welcome to prolog has to be displayed</a:t>
+            </a:r>
+          </a:p>
+          <a:p>
+            <a:r>
+              <a:rPr lang="en-US" b="1" dirty="0" err="1"/>
               <a:t>nl</a:t>
             </a:r>
-            <a:r>
-              <a:rPr lang="en-US" dirty="0" smtClean="0"/>
-              <a:t/>
-            </a:r>
             <a:br>
-              <a:rPr lang="en-US" dirty="0" smtClean="0"/>
+              <a:rPr lang="en-US" dirty="0"/>
             </a:br>
             <a:r>
-              <a:rPr lang="en-US" dirty="0" smtClean="0"/>
+              <a:rPr lang="en-US" dirty="0"/>
               <a:t>On the screen of the user, a new line has to be output</a:t>
             </a:r>
           </a:p>
           <a:p>
             <a:r>
-              <a:rPr lang="en-US" b="1" dirty="0" smtClean="0"/>
-              <a:t>write('Example of Prolog')</a:t>
-            </a:r>
-            <a:r>
-              <a:rPr lang="en-US" dirty="0" smtClean="0"/>
-              <a:t/>
+              <a:rPr lang="en-US" b="1" dirty="0"/>
+              <a:t>write(‘example')</a:t>
             </a:r>
             <a:br>
-              <a:rPr lang="en-US" dirty="0" smtClean="0"/>
+              <a:rPr lang="en-US" dirty="0"/>
             </a:br>
             <a:r>
-              <a:rPr lang="en-US" dirty="0" smtClean="0"/>
+              <a:rPr lang="en-US" dirty="0"/>
               <a:t>On the screen of the user, Example of Prolog has to be displayed</a:t>
             </a:r>
           </a:p>
           <a:p>
             <a:r>
-              <a:rPr lang="en-US" b="1" dirty="0" err="1" smtClean="0"/>
+              <a:rPr lang="en-US" b="1" dirty="0" err="1"/>
               <a:t>nl</a:t>
             </a:r>
-            <a:r>
-              <a:rPr lang="en-US" dirty="0" smtClean="0"/>
-              <a:t/>
-            </a:r>
             <a:br>
-              <a:rPr lang="en-US" dirty="0" smtClean="0"/>
+              <a:rPr lang="en-US" dirty="0"/>
             </a:br>
             <a:r>
-              <a:rPr lang="en-US" dirty="0" smtClean="0"/>
+              <a:rPr lang="en-US" dirty="0"/>
               <a:t>On the screen of the user, a new line has to be output</a:t>
             </a:r>
           </a:p>
@@ -7565,22 +7333,22 @@
           <a:p>
             <a:pPr algn="just"/>
             <a:r>
-              <a:rPr lang="en-US" sz="2400" dirty="0" smtClean="0"/>
+              <a:rPr lang="en-US" sz="2400" dirty="0"/>
               <a:t>Write and </a:t>
             </a:r>
             <a:r>
-              <a:rPr lang="en-US" sz="2400" dirty="0" err="1" smtClean="0"/>
+              <a:rPr lang="en-US" sz="2400" dirty="0" err="1"/>
               <a:t>nl</a:t>
             </a:r>
             <a:r>
-              <a:rPr lang="en-US" sz="2400" dirty="0" smtClean="0"/>
+              <a:rPr lang="en-US" sz="2400" dirty="0"/>
               <a:t> are called as built-in predicates.</a:t>
             </a:r>
           </a:p>
           <a:p>
             <a:pPr algn="just"/>
             <a:r>
-              <a:rPr lang="en-US" sz="2400" b="1" dirty="0" smtClean="0">
+              <a:rPr lang="en-US" sz="2400" b="1" dirty="0">
                 <a:solidFill>
                   <a:srgbClr val="FF0000"/>
                 </a:solidFill>
@@ -7588,7 +7356,7 @@
               <a:t>Halt</a:t>
             </a:r>
             <a:r>
-              <a:rPr lang="en-US" sz="2400" dirty="0" smtClean="0">
+              <a:rPr lang="en-US" sz="2400" dirty="0">
                 <a:solidFill>
                   <a:srgbClr val="FF0000"/>
                 </a:solidFill>
@@ -7596,7 +7364,7 @@
               <a:t> and </a:t>
             </a:r>
             <a:r>
-              <a:rPr lang="en-US" sz="2400" b="1" dirty="0" smtClean="0">
+              <a:rPr lang="en-US" sz="2400" b="1" dirty="0">
                 <a:solidFill>
                   <a:srgbClr val="FF0000"/>
                 </a:solidFill>
@@ -7604,7 +7372,7 @@
               <a:t>statistics</a:t>
             </a:r>
             <a:r>
-              <a:rPr lang="en-US" sz="2400" dirty="0" smtClean="0">
+              <a:rPr lang="en-US" sz="2400" dirty="0">
                 <a:solidFill>
                   <a:srgbClr val="FF0000"/>
                 </a:solidFill>
@@ -7614,76 +7382,51 @@
           </a:p>
           <a:p>
             <a:r>
-              <a:rPr lang="en-US" sz="2400" b="1" dirty="0" smtClean="0"/>
-              <a:t>?- halt</a:t>
-            </a:r>
-            <a:r>
-              <a:rPr lang="en-US" sz="2400" b="1" dirty="0" smtClean="0"/>
-              <a:t>.</a:t>
+              <a:rPr lang="en-US" sz="2400" b="1" dirty="0"/>
+              <a:t>?- halt.</a:t>
             </a:r>
           </a:p>
           <a:p>
             <a:pPr algn="just"/>
             <a:r>
-              <a:rPr lang="en-US" sz="2400" dirty="0" smtClean="0">
+              <a:rPr lang="en-US" sz="2400" dirty="0">
                 <a:solidFill>
                   <a:srgbClr val="FF0000"/>
                 </a:solidFill>
               </a:rPr>
-              <a:t>The </a:t>
-            </a:r>
-            <a:r>
-              <a:rPr lang="en-US" sz="2400" dirty="0" smtClean="0">
+              <a:t>The above command is used to terminate the Prolog system.</a:t>
+            </a:r>
+          </a:p>
+          <a:p>
+            <a:r>
+              <a:rPr lang="en-US" sz="2400" b="1" dirty="0"/>
+              <a:t>?- statistics.</a:t>
+            </a:r>
+          </a:p>
+          <a:p>
+            <a:pPr algn="just"/>
+            <a:r>
+              <a:rPr lang="en-US" sz="2400" dirty="0">
                 <a:solidFill>
                   <a:srgbClr val="FF0000"/>
                 </a:solidFill>
               </a:rPr>
-              <a:t>above command is used to terminate the Prolog system.</a:t>
-            </a:r>
-          </a:p>
-          <a:p>
-            <a:r>
-              <a:rPr lang="en-US" sz="2400" b="1" dirty="0" smtClean="0"/>
-              <a:t>?- statistics</a:t>
-            </a:r>
-            <a:r>
-              <a:rPr lang="en-US" sz="2400" b="1" dirty="0" smtClean="0"/>
-              <a:t>.</a:t>
-            </a:r>
-          </a:p>
-          <a:p>
-            <a:pPr algn="just"/>
-            <a:r>
-              <a:rPr lang="en-US" sz="2400" dirty="0" smtClean="0">
-                <a:solidFill>
-                  <a:srgbClr val="FF0000"/>
-                </a:solidFill>
-              </a:rPr>
-              <a:t>This </a:t>
-            </a:r>
-            <a:r>
-              <a:rPr lang="en-US" sz="2400" dirty="0" smtClean="0">
-                <a:solidFill>
-                  <a:srgbClr val="FF0000"/>
-                </a:solidFill>
-              </a:rPr>
-              <a:t>command will cause the Prolog system statistics.</a:t>
-            </a:r>
-            <a:r>
-              <a:rPr lang="en-US" sz="2400" dirty="0" smtClean="0"/>
+              <a:t>This command will cause the Prolog system statistics.</a:t>
+            </a:r>
+            <a:r>
+              <a:rPr lang="en-US" sz="2400" dirty="0"/>
               <a:t> </a:t>
             </a:r>
           </a:p>
           <a:p>
             <a:r>
-              <a:rPr lang="en-US" sz="2400" b="1" dirty="0" smtClean="0"/>
+              <a:rPr lang="en-US" sz="2400" b="1" dirty="0"/>
               <a:t>'Query'</a:t>
             </a:r>
             <a:r>
-              <a:rPr lang="en-US" sz="2400" dirty="0" smtClean="0"/>
+              <a:rPr lang="en-US" sz="2400" dirty="0"/>
               <a:t> is a sequence of one or more goals. These goals are entered by the user at the prompt</a:t>
             </a:r>
-            <a:endParaRPr lang="en-US" sz="2400" dirty="0"/>
           </a:p>
         </p:txBody>
       </p:sp>
@@ -7722,7 +7465,12 @@
             <p:ph idx="1"/>
           </p:nvPr>
         </p:nvSpPr>
-        <p:spPr/>
+        <p:spPr>
+          <a:xfrm>
+            <a:off x="381000" y="609600"/>
+            <a:ext cx="8229600" cy="4525963"/>
+          </a:xfrm>
+        </p:spPr>
         <p:txBody>
           <a:bodyPr>
             <a:normAutofit/>
@@ -7731,14 +7479,14 @@
           <a:p>
             <a:pPr algn="just"/>
             <a:r>
-              <a:rPr lang="en-US" sz="2400" dirty="0" smtClean="0"/>
+              <a:rPr lang="en-US" sz="2400" dirty="0"/>
               <a:t>To write a Prolog program, firstly, the user has to write a program which is written in the Prolog language, load that program, and then specify a sequence of one or more goals at the prompt.</a:t>
             </a:r>
           </a:p>
           <a:p>
             <a:pPr algn="just"/>
             <a:r>
-              <a:rPr lang="en-US" sz="2400" dirty="0" smtClean="0">
+              <a:rPr lang="en-US" sz="2400" dirty="0">
                 <a:solidFill>
                   <a:srgbClr val="FF0000"/>
                 </a:solidFill>
@@ -7746,7 +7494,7 @@
               <a:t>To create a program in Prolog, the simple way is to type it into the text editor and then save it as a text file like </a:t>
             </a:r>
             <a:r>
-              <a:rPr lang="en-US" sz="2400" b="1" dirty="0" smtClean="0">
+              <a:rPr lang="en-US" sz="2400" b="1" dirty="0">
                 <a:solidFill>
                   <a:srgbClr val="FF0000"/>
                 </a:solidFill>
@@ -7754,7 +7502,7 @@
               <a:t>prolog1.pl</a:t>
             </a:r>
             <a:r>
-              <a:rPr lang="en-US" sz="2400" dirty="0" smtClean="0">
+              <a:rPr lang="en-US" sz="2400" dirty="0">
                 <a:solidFill>
                   <a:srgbClr val="FF0000"/>
                 </a:solidFill>
@@ -7765,37 +7513,27 @@
           <a:p>
             <a:pPr algn="just"/>
             <a:r>
-              <a:rPr lang="en-US" sz="2400" dirty="0" smtClean="0"/>
+              <a:rPr lang="en-US" sz="2400" dirty="0"/>
               <a:t>The following example shows a simple program of Prolog. </a:t>
             </a:r>
-            <a:endParaRPr lang="en-US" sz="2400" dirty="0" smtClean="0"/>
           </a:p>
           <a:p>
             <a:pPr algn="just"/>
             <a:r>
-              <a:rPr lang="en-US" sz="2400" dirty="0" smtClean="0"/>
-              <a:t>The </a:t>
-            </a:r>
-            <a:r>
-              <a:rPr lang="en-US" sz="2400" dirty="0" smtClean="0"/>
-              <a:t>program contains three components, which are known as clauses. Each clause is terminated using a full stop.</a:t>
+              <a:rPr lang="en-US" sz="2400" dirty="0"/>
+              <a:t>The program contains three components, which are known as clauses. Each clause is terminated using a full stop.</a:t>
             </a:r>
           </a:p>
           <a:p>
             <a:pPr algn="just"/>
             <a:r>
-              <a:rPr lang="en-US" sz="2400" b="1" u="sng" dirty="0" smtClean="0">
+              <a:rPr lang="en-US" sz="2400" b="1" u="sng" dirty="0">
                 <a:solidFill>
                   <a:srgbClr val="FF0000"/>
                 </a:solidFill>
               </a:rPr>
               <a:t>Using the built-in predicate 'consult', the above program can be loaded in the Prolog system.</a:t>
             </a:r>
-            <a:endParaRPr lang="en-US" sz="2400" b="1" u="sng" dirty="0">
-              <a:solidFill>
-                <a:srgbClr val="FF0000"/>
-              </a:solidFill>
-            </a:endParaRPr>
           </a:p>
         </p:txBody>
       </p:sp>
@@ -7880,66 +7618,53 @@
           <a:p>
             <a:pPr algn="just"/>
             <a:r>
-              <a:rPr lang="en-US" sz="2000" dirty="0" smtClean="0"/>
+              <a:rPr lang="en-US" sz="2000" dirty="0"/>
               <a:t>The example of rule is the final line of the program.</a:t>
             </a:r>
           </a:p>
           <a:p>
             <a:pPr algn="just"/>
             <a:r>
-              <a:rPr lang="en-US" sz="2000" b="1" dirty="0" smtClean="0"/>
+              <a:rPr lang="en-US" sz="2000" b="1" dirty="0"/>
               <a:t>fruit(A) :- juice(A).  </a:t>
             </a:r>
           </a:p>
           <a:p>
             <a:pPr algn="just"/>
             <a:r>
-              <a:rPr lang="en-US" sz="2000" dirty="0" smtClean="0">
+              <a:rPr lang="en-US" sz="2000" dirty="0">
                 <a:solidFill>
                   <a:srgbClr val="FF0000"/>
                 </a:solidFill>
               </a:rPr>
-              <a:t>The colon(:-) character will be read as 'if</a:t>
-            </a:r>
-            <a:r>
-              <a:rPr lang="en-US" sz="2000" dirty="0" smtClean="0">
-                <a:solidFill>
-                  <a:srgbClr val="FF0000"/>
-                </a:solidFill>
-              </a:rPr>
-              <a:t>'.</a:t>
+              <a:t>The colon(:-) character will be read as 'if'.</a:t>
             </a:r>
           </a:p>
           <a:p>
             <a:pPr algn="just"/>
             <a:r>
-              <a:rPr lang="en-US" sz="2000" dirty="0" smtClean="0"/>
-              <a:t> </a:t>
-            </a:r>
-            <a:r>
-              <a:rPr lang="en-US" sz="2000" dirty="0" smtClean="0"/>
-              <a:t>Here A is a variable, and it represents any value. In a natural way, the rule can be read </a:t>
-            </a:r>
-            <a:r>
-              <a:rPr lang="en-US" sz="2000" b="1" dirty="0" smtClean="0"/>
+              <a:rPr lang="en-US" sz="2000" dirty="0"/>
+              <a:t> Here A is a variable, and it represents any value. In a natural way, the rule can be read </a:t>
+            </a:r>
+            <a:r>
+              <a:rPr lang="en-US" sz="2000" b="1" dirty="0"/>
               <a:t>as "If A is an fruit, then A is used in juice".</a:t>
             </a:r>
           </a:p>
           <a:p>
             <a:pPr algn="just"/>
             <a:r>
-              <a:rPr lang="en-US" sz="2000" dirty="0" smtClean="0"/>
+              <a:rPr lang="en-US" sz="2000" dirty="0"/>
               <a:t>The above clause shows that the </a:t>
             </a:r>
             <a:r>
-              <a:rPr lang="en-US" sz="2000" b="1" dirty="0" smtClean="0"/>
+              <a:rPr lang="en-US" sz="2000" b="1" dirty="0"/>
               <a:t>orange </a:t>
             </a:r>
             <a:r>
-              <a:rPr lang="en-US" sz="2000" dirty="0" smtClean="0"/>
+              <a:rPr lang="en-US" sz="2000" dirty="0"/>
               <a:t>is an juice. Such deduction can also make by Prolog:</a:t>
             </a:r>
-            <a:endParaRPr lang="en-US" sz="2000" dirty="0"/>
           </a:p>
         </p:txBody>
       </p:sp>
@@ -8053,8 +7778,20 @@
                 <a:tableStyleId>{5C22544A-7EE6-4342-B048-85BDC9FD1C3A}</a:tableStyleId>
               </a:tblPr>
               <a:tblGrid>
-                <a:gridCol w="3048000"/>
-                <a:gridCol w="3048000"/>
+                <a:gridCol w="3048000">
+                  <a:extLst>
+                    <a:ext uri="{9D8B030D-6E8A-4147-A177-3AD203B41FA5}">
+                      <a16:colId xmlns:a16="http://schemas.microsoft.com/office/drawing/2014/main" val="20000"/>
+                    </a:ext>
+                  </a:extLst>
+                </a:gridCol>
+                <a:gridCol w="3048000">
+                  <a:extLst>
+                    <a:ext uri="{9D8B030D-6E8A-4147-A177-3AD203B41FA5}">
+                      <a16:colId xmlns:a16="http://schemas.microsoft.com/office/drawing/2014/main" val="20001"/>
+                    </a:ext>
+                  </a:extLst>
+                </a:gridCol>
               </a:tblGrid>
               <a:tr h="370840">
                 <a:tc>
@@ -8063,26 +7800,25 @@
                     <a:lstStyle/>
                     <a:p>
                       <a:r>
-                        <a:rPr lang="en-US" dirty="0" smtClean="0"/>
+                        <a:rPr lang="en-US" dirty="0"/>
                         <a:t>owns(</a:t>
                       </a:r>
                       <a:r>
-                        <a:rPr lang="en-US" dirty="0" err="1" smtClean="0"/>
+                        <a:rPr lang="en-US" dirty="0" err="1"/>
                         <a:t>rahul,car</a:t>
                       </a:r>
                       <a:r>
-                        <a:rPr lang="en-US" dirty="0" smtClean="0"/>
+                        <a:rPr lang="en-US" dirty="0"/>
                         <a:t>(</a:t>
                       </a:r>
                       <a:r>
-                        <a:rPr lang="en-US" dirty="0" err="1" smtClean="0"/>
+                        <a:rPr lang="en-US" dirty="0" err="1"/>
                         <a:t>bmw</a:t>
                       </a:r>
                       <a:r>
-                        <a:rPr lang="en-US" dirty="0" smtClean="0"/>
+                        <a:rPr lang="en-US" dirty="0"/>
                         <a:t>)).</a:t>
                       </a:r>
-                      <a:endParaRPr lang="en-US" dirty="0"/>
                     </a:p>
                   </a:txBody>
                   <a:tcPr/>
@@ -8093,26 +7829,30 @@
                     <a:lstStyle/>
                     <a:p>
                       <a:r>
-                        <a:rPr lang="en-US" dirty="0" err="1" smtClean="0"/>
+                        <a:rPr lang="en-US" dirty="0" err="1"/>
                         <a:t>Rahul</a:t>
                       </a:r>
                       <a:r>
-                        <a:rPr lang="en-US" dirty="0" smtClean="0"/>
+                        <a:rPr lang="en-US" dirty="0"/>
                         <a:t> owns a </a:t>
                       </a:r>
                       <a:r>
-                        <a:rPr lang="en-US" dirty="0" err="1" smtClean="0"/>
+                        <a:rPr lang="en-US" dirty="0" err="1"/>
                         <a:t>bmw</a:t>
                       </a:r>
                       <a:r>
-                        <a:rPr lang="en-US" dirty="0" smtClean="0"/>
+                        <a:rPr lang="en-US" dirty="0"/>
                         <a:t> car</a:t>
                       </a:r>
-                      <a:endParaRPr lang="en-US" dirty="0"/>
                     </a:p>
                   </a:txBody>
                   <a:tcPr/>
                 </a:tc>
+                <a:extLst>
+                  <a:ext uri="{0D108BD9-81ED-4DB2-BD59-A6C34878D82A}">
+                    <a16:rowId xmlns:a16="http://schemas.microsoft.com/office/drawing/2014/main" val="10000"/>
+                  </a:ext>
+                </a:extLst>
               </a:tr>
               <a:tr h="370840">
                 <a:tc>
@@ -8121,26 +7861,25 @@
                     <a:lstStyle/>
                     <a:p>
                       <a:r>
-                        <a:rPr lang="en-US" dirty="0" smtClean="0"/>
+                        <a:rPr lang="en-US" dirty="0"/>
                         <a:t>owns(</a:t>
                       </a:r>
                       <a:r>
-                        <a:rPr lang="en-US" dirty="0" err="1" smtClean="0"/>
+                        <a:rPr lang="en-US" dirty="0" err="1"/>
                         <a:t>aditya,car</a:t>
                       </a:r>
                       <a:r>
-                        <a:rPr lang="en-US" dirty="0" smtClean="0"/>
+                        <a:rPr lang="en-US" dirty="0"/>
                         <a:t>(</a:t>
                       </a:r>
                       <a:r>
-                        <a:rPr lang="en-US" dirty="0" err="1" smtClean="0"/>
+                        <a:rPr lang="en-US" dirty="0" err="1"/>
                         <a:t>chevy</a:t>
                       </a:r>
                       <a:r>
-                        <a:rPr lang="en-US" dirty="0" smtClean="0"/>
+                        <a:rPr lang="en-US" dirty="0"/>
                         <a:t>)).</a:t>
                       </a:r>
-                      <a:endParaRPr lang="en-US" dirty="0"/>
                     </a:p>
                   </a:txBody>
                   <a:tcPr/>
@@ -8151,19 +7890,19 @@
                     <a:lstStyle/>
                     <a:p>
                       <a:r>
-                        <a:rPr lang="en-US" dirty="0" err="1" smtClean="0"/>
+                        <a:rPr lang="en-US" dirty="0" err="1"/>
                         <a:t>Aditya</a:t>
                       </a:r>
                       <a:r>
-                        <a:rPr lang="en-US" dirty="0" smtClean="0"/>
+                        <a:rPr lang="en-US" dirty="0"/>
                         <a:t> owns </a:t>
                       </a:r>
                       <a:r>
-                        <a:rPr lang="en-US" dirty="0" err="1" smtClean="0"/>
+                        <a:rPr lang="en-US" dirty="0" err="1"/>
                         <a:t>chevy</a:t>
                       </a:r>
                       <a:r>
-                        <a:rPr lang="en-US" baseline="0" dirty="0" smtClean="0"/>
+                        <a:rPr lang="en-US" baseline="0" dirty="0"/>
                         <a:t> car</a:t>
                       </a:r>
                       <a:endParaRPr lang="en-US" dirty="0"/>
@@ -8171,6 +7910,11 @@
                   </a:txBody>
                   <a:tcPr/>
                 </a:tc>
+                <a:extLst>
+                  <a:ext uri="{0D108BD9-81ED-4DB2-BD59-A6C34878D82A}">
+                    <a16:rowId xmlns:a16="http://schemas.microsoft.com/office/drawing/2014/main" val="10001"/>
+                  </a:ext>
+                </a:extLst>
               </a:tr>
               <a:tr h="370840">
                 <a:tc>
@@ -8179,18 +7923,17 @@
                     <a:lstStyle/>
                     <a:p>
                       <a:r>
-                        <a:rPr lang="en-US" b="1" dirty="0" smtClean="0"/>
+                        <a:rPr lang="en-US" b="1" dirty="0"/>
                         <a:t>owns(</a:t>
                       </a:r>
                       <a:r>
-                        <a:rPr lang="en-US" b="1" dirty="0" err="1" smtClean="0"/>
+                        <a:rPr lang="en-US" b="1" dirty="0" err="1"/>
                         <a:t>rahman,car</a:t>
                       </a:r>
                       <a:r>
-                        <a:rPr lang="en-US" b="1" dirty="0" smtClean="0"/>
+                        <a:rPr lang="en-US" b="1" dirty="0"/>
                         <a:t>(civic))</a:t>
                       </a:r>
-                      <a:endParaRPr lang="en-US" b="1" dirty="0"/>
                     </a:p>
                   </a:txBody>
                   <a:tcPr/>
@@ -8201,11 +7944,11 @@
                     <a:lstStyle/>
                     <a:p>
                       <a:r>
-                        <a:rPr lang="en-US" b="1" dirty="0" err="1" smtClean="0"/>
+                        <a:rPr lang="en-US" b="1" dirty="0" err="1"/>
                         <a:t>Rahman</a:t>
                       </a:r>
                       <a:r>
-                        <a:rPr lang="en-US" b="1" baseline="0" dirty="0" smtClean="0"/>
+                        <a:rPr lang="en-US" b="1" baseline="0" dirty="0"/>
                         <a:t> owns civic car</a:t>
                       </a:r>
                       <a:endParaRPr lang="en-US" b="1" dirty="0"/>
@@ -8213,6 +7956,11 @@
                   </a:txBody>
                   <a:tcPr/>
                 </a:tc>
+                <a:extLst>
+                  <a:ext uri="{0D108BD9-81ED-4DB2-BD59-A6C34878D82A}">
+                    <a16:rowId xmlns:a16="http://schemas.microsoft.com/office/drawing/2014/main" val="10002"/>
+                  </a:ext>
+                </a:extLst>
               </a:tr>
               <a:tr h="370840">
                 <a:tc>
@@ -8221,26 +7969,25 @@
                     <a:lstStyle/>
                     <a:p>
                       <a:r>
-                        <a:rPr lang="en-US" dirty="0" smtClean="0"/>
+                        <a:rPr lang="en-US" dirty="0"/>
                         <a:t>owns(</a:t>
                       </a:r>
                       <a:r>
-                        <a:rPr lang="en-US" dirty="0" err="1" smtClean="0"/>
+                        <a:rPr lang="en-US" dirty="0" err="1"/>
                         <a:t>afzal,car</a:t>
                       </a:r>
                       <a:r>
-                        <a:rPr lang="en-US" dirty="0" smtClean="0"/>
+                        <a:rPr lang="en-US" dirty="0"/>
                         <a:t>(</a:t>
                       </a:r>
                       <a:r>
-                        <a:rPr lang="en-US" dirty="0" err="1" smtClean="0"/>
+                        <a:rPr lang="en-US" dirty="0" err="1"/>
                         <a:t>chevy</a:t>
                       </a:r>
                       <a:r>
-                        <a:rPr lang="en-US" dirty="0" smtClean="0"/>
+                        <a:rPr lang="en-US" dirty="0"/>
                         <a:t>)).</a:t>
                       </a:r>
-                      <a:endParaRPr lang="en-US" dirty="0"/>
                     </a:p>
                   </a:txBody>
                   <a:tcPr/>
@@ -8251,26 +7998,30 @@
                     <a:lstStyle/>
                     <a:p>
                       <a:r>
-                        <a:rPr lang="en-US" dirty="0" err="1" smtClean="0"/>
+                        <a:rPr lang="en-US" dirty="0" err="1"/>
                         <a:t>Afzal</a:t>
                       </a:r>
                       <a:r>
-                        <a:rPr lang="en-US" dirty="0" smtClean="0"/>
+                        <a:rPr lang="en-US" dirty="0"/>
                         <a:t> owns </a:t>
                       </a:r>
                       <a:r>
-                        <a:rPr lang="en-US" dirty="0" err="1" smtClean="0"/>
+                        <a:rPr lang="en-US" dirty="0" err="1"/>
                         <a:t>chevy</a:t>
                       </a:r>
                       <a:r>
-                        <a:rPr lang="en-US" dirty="0" smtClean="0"/>
+                        <a:rPr lang="en-US" dirty="0"/>
                         <a:t> car</a:t>
                       </a:r>
-                      <a:endParaRPr lang="en-US" dirty="0"/>
                     </a:p>
                   </a:txBody>
                   <a:tcPr/>
                 </a:tc>
+                <a:extLst>
+                  <a:ext uri="{0D108BD9-81ED-4DB2-BD59-A6C34878D82A}">
+                    <a16:rowId xmlns:a16="http://schemas.microsoft.com/office/drawing/2014/main" val="10003"/>
+                  </a:ext>
+                </a:extLst>
               </a:tr>
               <a:tr h="370840">
                 <a:tc>
@@ -8279,18 +8030,17 @@
                     <a:lstStyle/>
                     <a:p>
                       <a:r>
-                        <a:rPr lang="en-US" b="1" dirty="0" smtClean="0"/>
+                        <a:rPr lang="en-US" b="1" dirty="0"/>
                         <a:t>sedan(car(</a:t>
                       </a:r>
                       <a:r>
-                        <a:rPr lang="en-US" b="1" dirty="0" err="1" smtClean="0"/>
+                        <a:rPr lang="en-US" b="1" dirty="0" err="1"/>
                         <a:t>bmw</a:t>
                       </a:r>
                       <a:r>
-                        <a:rPr lang="en-US" b="1" dirty="0" smtClean="0"/>
+                        <a:rPr lang="en-US" b="1" dirty="0"/>
                         <a:t>)).</a:t>
                       </a:r>
-                      <a:endParaRPr lang="en-US" b="1" dirty="0"/>
                     </a:p>
                   </a:txBody>
                   <a:tcPr/>
@@ -8301,18 +8051,22 @@
                     <a:lstStyle/>
                     <a:p>
                       <a:r>
-                        <a:rPr lang="en-US" b="1" dirty="0" err="1" smtClean="0"/>
+                        <a:rPr lang="en-US" b="1" dirty="0" err="1"/>
                         <a:t>Bmw</a:t>
                       </a:r>
                       <a:r>
-                        <a:rPr lang="en-US" b="1" dirty="0" smtClean="0"/>
+                        <a:rPr lang="en-US" b="1" dirty="0"/>
                         <a:t> car is sedan</a:t>
                       </a:r>
-                      <a:endParaRPr lang="en-US" b="1" dirty="0"/>
                     </a:p>
                   </a:txBody>
                   <a:tcPr/>
                 </a:tc>
+                <a:extLst>
+                  <a:ext uri="{0D108BD9-81ED-4DB2-BD59-A6C34878D82A}">
+                    <a16:rowId xmlns:a16="http://schemas.microsoft.com/office/drawing/2014/main" val="10004"/>
+                  </a:ext>
+                </a:extLst>
               </a:tr>
               <a:tr h="370840">
                 <a:tc>
@@ -8321,10 +8075,9 @@
                     <a:lstStyle/>
                     <a:p>
                       <a:r>
-                        <a:rPr lang="en-US" dirty="0" smtClean="0"/>
+                        <a:rPr lang="en-US" dirty="0"/>
                         <a:t>sedan(car(civic)).</a:t>
                       </a:r>
-                      <a:endParaRPr lang="en-US" dirty="0"/>
                     </a:p>
                   </a:txBody>
                   <a:tcPr/>
@@ -8335,14 +8088,18 @@
                     <a:lstStyle/>
                     <a:p>
                       <a:r>
-                        <a:rPr lang="en-US" dirty="0" smtClean="0"/>
+                        <a:rPr lang="en-US" dirty="0"/>
                         <a:t>Civic car is sedan</a:t>
                       </a:r>
-                      <a:endParaRPr lang="en-US" dirty="0"/>
                     </a:p>
                   </a:txBody>
                   <a:tcPr/>
                 </a:tc>
+                <a:extLst>
+                  <a:ext uri="{0D108BD9-81ED-4DB2-BD59-A6C34878D82A}">
+                    <a16:rowId xmlns:a16="http://schemas.microsoft.com/office/drawing/2014/main" val="10005"/>
+                  </a:ext>
+                </a:extLst>
               </a:tr>
               <a:tr h="370840">
                 <a:tc>
@@ -8351,18 +8108,17 @@
                     <a:lstStyle/>
                     <a:p>
                       <a:r>
-                        <a:rPr lang="en-US" b="1" dirty="0" smtClean="0"/>
+                        <a:rPr lang="en-US" b="1" dirty="0"/>
                         <a:t>truck(car(</a:t>
                       </a:r>
                       <a:r>
-                        <a:rPr lang="en-US" b="1" dirty="0" err="1" smtClean="0"/>
+                        <a:rPr lang="en-US" b="1" dirty="0" err="1"/>
                         <a:t>chevy</a:t>
                       </a:r>
                       <a:r>
-                        <a:rPr lang="en-US" b="1" dirty="0" smtClean="0"/>
+                        <a:rPr lang="en-US" b="1" dirty="0"/>
                         <a:t>)).</a:t>
                       </a:r>
-                      <a:endParaRPr lang="en-US" b="1" dirty="0"/>
                     </a:p>
                   </a:txBody>
                   <a:tcPr/>
@@ -8373,14 +8129,18 @@
                     <a:lstStyle/>
                     <a:p>
                       <a:r>
-                        <a:rPr lang="en-US" b="1" dirty="0" smtClean="0"/>
+                        <a:rPr lang="en-US" b="1" dirty="0"/>
                         <a:t>Chevy car is truck</a:t>
                       </a:r>
-                      <a:endParaRPr lang="en-US" b="1" dirty="0"/>
                     </a:p>
                   </a:txBody>
                   <a:tcPr/>
                 </a:tc>
+                <a:extLst>
+                  <a:ext uri="{0D108BD9-81ED-4DB2-BD59-A6C34878D82A}">
+                    <a16:rowId xmlns:a16="http://schemas.microsoft.com/office/drawing/2014/main" val="10006"/>
+                  </a:ext>
+                </a:extLst>
               </a:tr>
             </a:tbl>
           </a:graphicData>
